--- a/Syntax.pptx
+++ b/Syntax.pptx
@@ -7,7 +7,7 @@
     <p:sldMasterId id="2147484842" r:id="rId6"/>
   </p:sldMasterIdLst>
   <p:notesMasterIdLst>
-    <p:notesMasterId r:id="rId23"/>
+    <p:notesMasterId r:id="rId42"/>
   </p:notesMasterIdLst>
   <p:sldIdLst>
     <p:sldId id="1224" r:id="rId7"/>
@@ -25,7 +25,26 @@
     <p:sldId id="1249" r:id="rId19"/>
     <p:sldId id="1250" r:id="rId20"/>
     <p:sldId id="1251" r:id="rId21"/>
-    <p:sldId id="1206" r:id="rId22"/>
+    <p:sldId id="1252" r:id="rId22"/>
+    <p:sldId id="1253" r:id="rId23"/>
+    <p:sldId id="1254" r:id="rId24"/>
+    <p:sldId id="1255" r:id="rId25"/>
+    <p:sldId id="1256" r:id="rId26"/>
+    <p:sldId id="1257" r:id="rId27"/>
+    <p:sldId id="1258" r:id="rId28"/>
+    <p:sldId id="1259" r:id="rId29"/>
+    <p:sldId id="1260" r:id="rId30"/>
+    <p:sldId id="1261" r:id="rId31"/>
+    <p:sldId id="1262" r:id="rId32"/>
+    <p:sldId id="1263" r:id="rId33"/>
+    <p:sldId id="1264" r:id="rId34"/>
+    <p:sldId id="1265" r:id="rId35"/>
+    <p:sldId id="1266" r:id="rId36"/>
+    <p:sldId id="1267" r:id="rId37"/>
+    <p:sldId id="1268" r:id="rId38"/>
+    <p:sldId id="1269" r:id="rId39"/>
+    <p:sldId id="1270" r:id="rId40"/>
+    <p:sldId id="1206" r:id="rId41"/>
   </p:sldIdLst>
   <p:sldSz cx="12192000" cy="6858000"/>
   <p:notesSz cx="6858000" cy="9144000"/>
@@ -174,6 +193,25 @@
             <p14:sldId id="1249"/>
             <p14:sldId id="1250"/>
             <p14:sldId id="1251"/>
+            <p14:sldId id="1252"/>
+            <p14:sldId id="1253"/>
+            <p14:sldId id="1254"/>
+            <p14:sldId id="1255"/>
+            <p14:sldId id="1256"/>
+            <p14:sldId id="1257"/>
+            <p14:sldId id="1258"/>
+            <p14:sldId id="1259"/>
+            <p14:sldId id="1260"/>
+            <p14:sldId id="1261"/>
+            <p14:sldId id="1262"/>
+            <p14:sldId id="1263"/>
+            <p14:sldId id="1264"/>
+            <p14:sldId id="1265"/>
+            <p14:sldId id="1266"/>
+            <p14:sldId id="1267"/>
+            <p14:sldId id="1268"/>
+            <p14:sldId id="1269"/>
+            <p14:sldId id="1270"/>
             <p14:sldId id="1206"/>
           </p14:sldIdLst>
         </p14:section>
@@ -222,6 +260,13 @@
     <p:extLst>
       <p:ext uri="{19B8F6BF-5375-455C-9EA6-DF929625EA0E}">
         <p15:presenceInfo xmlns:p15="http://schemas.microsoft.com/office/powerpoint/2012/main" userId="S::sgree@softserveinc.com::aada7fc0-4079-4dff-b590-112c10cd2245" providerId="AD"/>
+      </p:ext>
+    </p:extLst>
+  </p:cmAuthor>
+  <p:cmAuthor id="6" name=" " initials="" lastIdx="2" clrIdx="5">
+    <p:extLst>
+      <p:ext uri="{19B8F6BF-5375-455C-9EA6-DF929625EA0E}">
+        <p15:presenceInfo xmlns:p15="http://schemas.microsoft.com/office/powerpoint/2012/main" userId="3bc4a6a1c87ca24e" providerId="Windows Live"/>
       </p:ext>
     </p:extLst>
   </p:cmAuthor>
@@ -346,7 +391,7 @@
               <a:pPr>
                 <a:defRPr/>
               </a:pPr>
-              <a:t>18/08/2020</a:t>
+              <a:t>21/08/2020</a:t>
             </a:fld>
             <a:endParaRPr lang="en-GB"/>
           </a:p>
@@ -12467,9 +12512,450 @@
           <a:chExt cx="0" cy="0"/>
         </a:xfrm>
       </p:grpSpPr>
+      <p:sp>
+        <p:nvSpPr>
+          <p:cNvPr id="2" name="Title 1">
+            <a:extLst>
+              <a:ext uri="{FF2B5EF4-FFF2-40B4-BE49-F238E27FC236}">
+                <a16:creationId xmlns:a16="http://schemas.microsoft.com/office/drawing/2014/main" id="{572119E4-03D2-4806-A036-BEDBFD80E7FC}"/>
+              </a:ext>
+            </a:extLst>
+          </p:cNvPr>
+          <p:cNvSpPr>
+            <a:spLocks noGrp="1"/>
+          </p:cNvSpPr>
+          <p:nvPr>
+            <p:ph type="title"/>
+          </p:nvPr>
+        </p:nvSpPr>
+        <p:spPr/>
+        <p:txBody>
+          <a:bodyPr/>
+          <a:lstStyle/>
+          <a:p>
+            <a:r>
+              <a:rPr lang="en-US" dirty="0"/>
+              <a:t>Control Flow </a:t>
+            </a:r>
+            <a:endParaRPr lang="uk-UA" dirty="0"/>
+          </a:p>
+        </p:txBody>
+      </p:sp>
+      <p:sp>
+        <p:nvSpPr>
+          <p:cNvPr id="3" name="Text Placeholder 2">
+            <a:extLst>
+              <a:ext uri="{FF2B5EF4-FFF2-40B4-BE49-F238E27FC236}">
+                <a16:creationId xmlns:a16="http://schemas.microsoft.com/office/drawing/2014/main" id="{85152169-029B-4580-86F4-E4B72B019F59}"/>
+              </a:ext>
+            </a:extLst>
+          </p:cNvPr>
+          <p:cNvSpPr>
+            <a:spLocks noGrp="1"/>
+          </p:cNvSpPr>
+          <p:nvPr>
+            <p:ph type="body" sz="quarter" idx="10"/>
+          </p:nvPr>
+        </p:nvSpPr>
+        <p:spPr>
+          <a:xfrm>
+            <a:off x="2481944" y="1866123"/>
+            <a:ext cx="8714791" cy="3937517"/>
+          </a:xfrm>
+        </p:spPr>
+        <p:txBody>
+          <a:bodyPr/>
+          <a:lstStyle/>
+          <a:p>
+            <a:pPr algn="l"/>
+            <a:r>
+              <a:rPr lang="en-US" sz="1600" b="0" i="0" dirty="0">
+                <a:solidFill>
+                  <a:srgbClr val="202122"/>
+                </a:solidFill>
+                <a:effectLst/>
+                <a:latin typeface="Arial" panose="020B0604020202020204" pitchFamily="34" charset="0"/>
+              </a:rPr>
+              <a:t>The kinds of control flow statements supported by different languages vary, but can be categorized by their effect:</a:t>
+            </a:r>
+          </a:p>
+          <a:p>
+            <a:pPr algn="l">
+              <a:buFont typeface="Arial" panose="020B0604020202020204" pitchFamily="34" charset="0"/>
+              <a:buChar char="•"/>
+            </a:pPr>
+            <a:r>
+              <a:rPr lang="en-US" sz="1600" b="0" i="0" dirty="0">
+                <a:solidFill>
+                  <a:srgbClr val="202122"/>
+                </a:solidFill>
+                <a:effectLst/>
+                <a:latin typeface="Arial" panose="020B0604020202020204" pitchFamily="34" charset="0"/>
+              </a:rPr>
+              <a:t>Continuation at a different statement (unconditional </a:t>
+            </a:r>
+            <a:r>
+              <a:rPr lang="en-US" sz="1600" b="0" i="0" u="none" strike="noStrike" dirty="0">
+                <a:solidFill>
+                  <a:srgbClr val="0B0080"/>
+                </a:solidFill>
+                <a:effectLst/>
+                <a:latin typeface="Arial" panose="020B0604020202020204" pitchFamily="34" charset="0"/>
+                <a:hlinkClick r:id="rId2" tooltip="Branch (computer science)"/>
+              </a:rPr>
+              <a:t>branch</a:t>
+            </a:r>
+            <a:r>
+              <a:rPr lang="en-US" sz="1600" b="0" i="0" dirty="0">
+                <a:solidFill>
+                  <a:srgbClr val="202122"/>
+                </a:solidFill>
+                <a:effectLst/>
+                <a:latin typeface="Arial" panose="020B0604020202020204" pitchFamily="34" charset="0"/>
+              </a:rPr>
+              <a:t> or jump)</a:t>
+            </a:r>
+          </a:p>
+          <a:p>
+            <a:pPr algn="l">
+              <a:buFont typeface="Arial" panose="020B0604020202020204" pitchFamily="34" charset="0"/>
+              <a:buChar char="•"/>
+            </a:pPr>
+            <a:r>
+              <a:rPr lang="en-US" sz="1600" b="0" i="0" dirty="0">
+                <a:solidFill>
+                  <a:srgbClr val="202122"/>
+                </a:solidFill>
+                <a:effectLst/>
+                <a:latin typeface="Arial" panose="020B0604020202020204" pitchFamily="34" charset="0"/>
+              </a:rPr>
+              <a:t>Executing a set of statements only if some condition is met (choice - i.e., </a:t>
+            </a:r>
+            <a:r>
+              <a:rPr lang="en-US" sz="1600" b="0" i="0" u="none" strike="noStrike" dirty="0">
+                <a:solidFill>
+                  <a:srgbClr val="0B0080"/>
+                </a:solidFill>
+                <a:effectLst/>
+                <a:latin typeface="Arial" panose="020B0604020202020204" pitchFamily="34" charset="0"/>
+                <a:hlinkClick r:id="rId3" tooltip="Conditional branch"/>
+              </a:rPr>
+              <a:t>conditional branch</a:t>
+            </a:r>
+            <a:r>
+              <a:rPr lang="en-US" sz="1600" b="0" i="0" dirty="0">
+                <a:solidFill>
+                  <a:srgbClr val="202122"/>
+                </a:solidFill>
+                <a:effectLst/>
+                <a:latin typeface="Arial" panose="020B0604020202020204" pitchFamily="34" charset="0"/>
+              </a:rPr>
+              <a:t>)</a:t>
+            </a:r>
+          </a:p>
+          <a:p>
+            <a:pPr algn="l">
+              <a:buFont typeface="Arial" panose="020B0604020202020204" pitchFamily="34" charset="0"/>
+              <a:buChar char="•"/>
+            </a:pPr>
+            <a:r>
+              <a:rPr lang="en-US" sz="1600" b="0" i="0" dirty="0">
+                <a:solidFill>
+                  <a:srgbClr val="202122"/>
+                </a:solidFill>
+                <a:effectLst/>
+                <a:latin typeface="Arial" panose="020B0604020202020204" pitchFamily="34" charset="0"/>
+              </a:rPr>
+              <a:t>Executing a set of statements zero or more times, until some condition is met (i.e., loop - the same as </a:t>
+            </a:r>
+            <a:r>
+              <a:rPr lang="en-US" sz="1600" b="0" i="0" u="none" strike="noStrike" dirty="0">
+                <a:solidFill>
+                  <a:srgbClr val="0B0080"/>
+                </a:solidFill>
+                <a:effectLst/>
+                <a:latin typeface="Arial" panose="020B0604020202020204" pitchFamily="34" charset="0"/>
+                <a:hlinkClick r:id="rId3" tooltip="Conditional branch"/>
+              </a:rPr>
+              <a:t>conditional branch</a:t>
+            </a:r>
+            <a:r>
+              <a:rPr lang="en-US" sz="1600" b="0" i="0" dirty="0">
+                <a:solidFill>
+                  <a:srgbClr val="202122"/>
+                </a:solidFill>
+                <a:effectLst/>
+                <a:latin typeface="Arial" panose="020B0604020202020204" pitchFamily="34" charset="0"/>
+              </a:rPr>
+              <a:t>)</a:t>
+            </a:r>
+          </a:p>
+          <a:p>
+            <a:pPr algn="l">
+              <a:buFont typeface="Arial" panose="020B0604020202020204" pitchFamily="34" charset="0"/>
+              <a:buChar char="•"/>
+            </a:pPr>
+            <a:r>
+              <a:rPr lang="en-US" sz="1600" b="0" i="0" dirty="0">
+                <a:solidFill>
+                  <a:srgbClr val="202122"/>
+                </a:solidFill>
+                <a:effectLst/>
+                <a:latin typeface="Arial" panose="020B0604020202020204" pitchFamily="34" charset="0"/>
+              </a:rPr>
+              <a:t>Executing a set of distant statements, after which the flow of control usually returns (</a:t>
+            </a:r>
+            <a:r>
+              <a:rPr lang="en-US" sz="1600" b="0" i="0" u="none" strike="noStrike" dirty="0">
+                <a:solidFill>
+                  <a:srgbClr val="0B0080"/>
+                </a:solidFill>
+                <a:effectLst/>
+                <a:latin typeface="Arial" panose="020B0604020202020204" pitchFamily="34" charset="0"/>
+                <a:hlinkClick r:id="rId4" tooltip="Subroutine"/>
+              </a:rPr>
+              <a:t>subroutines</a:t>
+            </a:r>
+            <a:r>
+              <a:rPr lang="en-US" sz="1600" b="0" i="0" dirty="0">
+                <a:solidFill>
+                  <a:srgbClr val="202122"/>
+                </a:solidFill>
+                <a:effectLst/>
+                <a:latin typeface="Arial" panose="020B0604020202020204" pitchFamily="34" charset="0"/>
+              </a:rPr>
+              <a:t>, </a:t>
+            </a:r>
+            <a:r>
+              <a:rPr lang="en-US" sz="1600" b="0" i="0" u="none" strike="noStrike" dirty="0">
+                <a:solidFill>
+                  <a:srgbClr val="0B0080"/>
+                </a:solidFill>
+                <a:effectLst/>
+                <a:latin typeface="Arial" panose="020B0604020202020204" pitchFamily="34" charset="0"/>
+                <a:hlinkClick r:id="rId5" tooltip="Coroutine"/>
+              </a:rPr>
+              <a:t>coroutines</a:t>
+            </a:r>
+            <a:r>
+              <a:rPr lang="en-US" sz="1600" b="0" i="0" dirty="0">
+                <a:solidFill>
+                  <a:srgbClr val="202122"/>
+                </a:solidFill>
+                <a:effectLst/>
+                <a:latin typeface="Arial" panose="020B0604020202020204" pitchFamily="34" charset="0"/>
+              </a:rPr>
+              <a:t>, and </a:t>
+            </a:r>
+            <a:r>
+              <a:rPr lang="en-US" sz="1600" b="0" i="0" u="none" strike="noStrike" dirty="0">
+                <a:solidFill>
+                  <a:srgbClr val="0B0080"/>
+                </a:solidFill>
+                <a:effectLst/>
+                <a:latin typeface="Arial" panose="020B0604020202020204" pitchFamily="34" charset="0"/>
+                <a:hlinkClick r:id="rId6" tooltip="Continuation"/>
+              </a:rPr>
+              <a:t>continuations</a:t>
+            </a:r>
+            <a:r>
+              <a:rPr lang="en-US" sz="1600" b="0" i="0" dirty="0">
+                <a:solidFill>
+                  <a:srgbClr val="202122"/>
+                </a:solidFill>
+                <a:effectLst/>
+                <a:latin typeface="Arial" panose="020B0604020202020204" pitchFamily="34" charset="0"/>
+              </a:rPr>
+              <a:t>)</a:t>
+            </a:r>
+          </a:p>
+          <a:p>
+            <a:pPr algn="l">
+              <a:buFont typeface="Arial" panose="020B0604020202020204" pitchFamily="34" charset="0"/>
+              <a:buChar char="•"/>
+            </a:pPr>
+            <a:r>
+              <a:rPr lang="en-US" sz="1600" b="0" i="0" dirty="0">
+                <a:solidFill>
+                  <a:srgbClr val="202122"/>
+                </a:solidFill>
+                <a:effectLst/>
+                <a:latin typeface="Arial" panose="020B0604020202020204" pitchFamily="34" charset="0"/>
+              </a:rPr>
+              <a:t>Stopping the program, preventing any further execution (unconditional halt)</a:t>
+            </a:r>
+          </a:p>
+          <a:p>
+            <a:endParaRPr lang="en-US" dirty="0"/>
+          </a:p>
+          <a:p>
+            <a:r>
+              <a:rPr lang="en-US" sz="1600" dirty="0"/>
+              <a:t>In JavaScript we use </a:t>
+            </a:r>
+            <a:r>
+              <a:rPr lang="en-US" sz="1600" b="0" i="0" dirty="0">
+                <a:solidFill>
+                  <a:srgbClr val="202122"/>
+                </a:solidFill>
+                <a:effectLst/>
+                <a:latin typeface="Arial" panose="020B0604020202020204" pitchFamily="34" charset="0"/>
+              </a:rPr>
+              <a:t>a pair of curly brackets { } and an enclosed sequence of statements constitute a compound statement, which can be used wherever a statement can be used.</a:t>
+            </a:r>
+            <a:endParaRPr lang="uk-UA" sz="1600" dirty="0"/>
+          </a:p>
+        </p:txBody>
+      </p:sp>
       <p:pic>
         <p:nvPicPr>
-          <p:cNvPr id="5" name="pasted-image.png"/>
+          <p:cNvPr id="1026" name="Picture 2">
+            <a:extLst>
+              <a:ext uri="{FF2B5EF4-FFF2-40B4-BE49-F238E27FC236}">
+                <a16:creationId xmlns:a16="http://schemas.microsoft.com/office/drawing/2014/main" id="{14E3B4B5-8F7D-411D-A659-060D14BDC164}"/>
+              </a:ext>
+            </a:extLst>
+          </p:cNvPr>
+          <p:cNvPicPr>
+            <a:picLocks noChangeAspect="1" noChangeArrowheads="1"/>
+          </p:cNvPicPr>
+          <p:nvPr/>
+        </p:nvPicPr>
+        <p:blipFill>
+          <a:blip r:embed="rId7">
+            <a:extLst>
+              <a:ext uri="{28A0092B-C50C-407E-A947-70E740481C1C}">
+                <a14:useLocalDpi xmlns:a14="http://schemas.microsoft.com/office/drawing/2010/main" val="0"/>
+              </a:ext>
+            </a:extLst>
+          </a:blip>
+          <a:srcRect/>
+          <a:stretch>
+            <a:fillRect/>
+          </a:stretch>
+        </p:blipFill>
+        <p:spPr bwMode="auto">
+          <a:xfrm>
+            <a:off x="317630" y="1959430"/>
+            <a:ext cx="1940378" cy="4215912"/>
+          </a:xfrm>
+          <a:prstGeom prst="rect">
+            <a:avLst/>
+          </a:prstGeom>
+          <a:noFill/>
+          <a:extLst>
+            <a:ext uri="{909E8E84-426E-40DD-AFC4-6F175D3DCCD1}">
+              <a14:hiddenFill xmlns:a14="http://schemas.microsoft.com/office/drawing/2010/main">
+                <a:solidFill>
+                  <a:srgbClr val="FFFFFF"/>
+                </a:solidFill>
+              </a14:hiddenFill>
+            </a:ext>
+          </a:extLst>
+        </p:spPr>
+      </p:pic>
+    </p:spTree>
+    <p:extLst>
+      <p:ext uri="{BB962C8B-B14F-4D97-AF65-F5344CB8AC3E}">
+        <p14:creationId xmlns:p14="http://schemas.microsoft.com/office/powerpoint/2010/main" val="2587781176"/>
+      </p:ext>
+    </p:extLst>
+  </p:cSld>
+  <p:clrMapOvr>
+    <a:masterClrMapping/>
+  </p:clrMapOvr>
+</p:sld>
+</file>
+
+<file path=ppt/slides/slide17.xml><?xml version="1.0" encoding="utf-8"?>
+<p:sld xmlns:a="http://schemas.openxmlformats.org/drawingml/2006/main" xmlns:r="http://schemas.openxmlformats.org/officeDocument/2006/relationships" xmlns:p="http://schemas.openxmlformats.org/presentationml/2006/main">
+  <p:cSld>
+    <p:spTree>
+      <p:nvGrpSpPr>
+        <p:cNvPr id="1" name=""/>
+        <p:cNvGrpSpPr/>
+        <p:nvPr/>
+      </p:nvGrpSpPr>
+      <p:grpSpPr>
+        <a:xfrm>
+          <a:off x="0" y="0"/>
+          <a:ext cx="0" cy="0"/>
+          <a:chOff x="0" y="0"/>
+          <a:chExt cx="0" cy="0"/>
+        </a:xfrm>
+      </p:grpSpPr>
+      <p:sp>
+        <p:nvSpPr>
+          <p:cNvPr id="2" name="Title 1">
+            <a:extLst>
+              <a:ext uri="{FF2B5EF4-FFF2-40B4-BE49-F238E27FC236}">
+                <a16:creationId xmlns:a16="http://schemas.microsoft.com/office/drawing/2014/main" id="{F3D6792A-C056-4D61-9EAD-7C371F822100}"/>
+              </a:ext>
+            </a:extLst>
+          </p:cNvPr>
+          <p:cNvSpPr>
+            <a:spLocks noGrp="1"/>
+          </p:cNvSpPr>
+          <p:nvPr>
+            <p:ph type="title"/>
+          </p:nvPr>
+        </p:nvSpPr>
+        <p:spPr/>
+        <p:txBody>
+          <a:bodyPr/>
+          <a:lstStyle/>
+          <a:p>
+            <a:r>
+              <a:rPr lang="en-US" dirty="0"/>
+              <a:t>If/else</a:t>
+            </a:r>
+            <a:endParaRPr lang="uk-UA" dirty="0"/>
+          </a:p>
+        </p:txBody>
+      </p:sp>
+      <p:sp>
+        <p:nvSpPr>
+          <p:cNvPr id="3" name="Text Placeholder 2">
+            <a:extLst>
+              <a:ext uri="{FF2B5EF4-FFF2-40B4-BE49-F238E27FC236}">
+                <a16:creationId xmlns:a16="http://schemas.microsoft.com/office/drawing/2014/main" id="{9116CE9B-5A9F-464C-A7F8-72E472DC3DE3}"/>
+              </a:ext>
+            </a:extLst>
+          </p:cNvPr>
+          <p:cNvSpPr>
+            <a:spLocks noGrp="1"/>
+          </p:cNvSpPr>
+          <p:nvPr>
+            <p:ph type="body" sz="quarter" idx="10"/>
+          </p:nvPr>
+        </p:nvSpPr>
+        <p:spPr>
+          <a:xfrm>
+            <a:off x="4254758" y="2057400"/>
+            <a:ext cx="7251441" cy="3429000"/>
+          </a:xfrm>
+        </p:spPr>
+        <p:txBody>
+          <a:bodyPr/>
+          <a:lstStyle/>
+          <a:p>
+            <a:r>
+              <a:rPr lang="en-US" dirty="0"/>
+              <a:t>In JavaScript we are used writing if/else if/else key words</a:t>
+            </a:r>
+            <a:endParaRPr lang="uk-UA" dirty="0"/>
+          </a:p>
+        </p:txBody>
+      </p:sp>
+      <p:pic>
+        <p:nvPicPr>
+          <p:cNvPr id="5" name="Picture 4">
+            <a:extLst>
+              <a:ext uri="{FF2B5EF4-FFF2-40B4-BE49-F238E27FC236}">
+                <a16:creationId xmlns:a16="http://schemas.microsoft.com/office/drawing/2014/main" id="{F3759455-8FA7-475F-9DE7-F0615484AA9C}"/>
+              </a:ext>
+            </a:extLst>
+          </p:cNvPr>
           <p:cNvPicPr>
             <a:picLocks noChangeAspect="1"/>
           </p:cNvPicPr>
@@ -12483,21 +12969,457 @@
         </p:blipFill>
         <p:spPr>
           <a:xfrm>
-            <a:off x="0" y="0"/>
-            <a:ext cx="12192000" cy="6858000"/>
+            <a:off x="685800" y="2057400"/>
+            <a:ext cx="3229072" cy="2523182"/>
           </a:xfrm>
           <a:prstGeom prst="rect">
             <a:avLst/>
           </a:prstGeom>
-          <a:ln w="12700">
-            <a:miter lim="400000"/>
-          </a:ln>
         </p:spPr>
       </p:pic>
     </p:spTree>
     <p:extLst>
       <p:ext uri="{BB962C8B-B14F-4D97-AF65-F5344CB8AC3E}">
-        <p14:creationId xmlns:p14="http://schemas.microsoft.com/office/powerpoint/2010/main" val="1735758878"/>
+        <p14:creationId xmlns:p14="http://schemas.microsoft.com/office/powerpoint/2010/main" val="901061459"/>
+      </p:ext>
+    </p:extLst>
+  </p:cSld>
+  <p:clrMapOvr>
+    <a:masterClrMapping/>
+  </p:clrMapOvr>
+</p:sld>
+</file>
+
+<file path=ppt/slides/slide18.xml><?xml version="1.0" encoding="utf-8"?>
+<p:sld xmlns:a="http://schemas.openxmlformats.org/drawingml/2006/main" xmlns:r="http://schemas.openxmlformats.org/officeDocument/2006/relationships" xmlns:p="http://schemas.openxmlformats.org/presentationml/2006/main">
+  <p:cSld>
+    <p:spTree>
+      <p:nvGrpSpPr>
+        <p:cNvPr id="1" name=""/>
+        <p:cNvGrpSpPr/>
+        <p:nvPr/>
+      </p:nvGrpSpPr>
+      <p:grpSpPr>
+        <a:xfrm>
+          <a:off x="0" y="0"/>
+          <a:ext cx="0" cy="0"/>
+          <a:chOff x="0" y="0"/>
+          <a:chExt cx="0" cy="0"/>
+        </a:xfrm>
+      </p:grpSpPr>
+      <p:sp>
+        <p:nvSpPr>
+          <p:cNvPr id="2" name="Title 1">
+            <a:extLst>
+              <a:ext uri="{FF2B5EF4-FFF2-40B4-BE49-F238E27FC236}">
+                <a16:creationId xmlns:a16="http://schemas.microsoft.com/office/drawing/2014/main" id="{407BA9D7-6724-4FB7-B111-5AB7A3620762}"/>
+              </a:ext>
+            </a:extLst>
+          </p:cNvPr>
+          <p:cNvSpPr>
+            <a:spLocks noGrp="1"/>
+          </p:cNvSpPr>
+          <p:nvPr>
+            <p:ph type="title"/>
+          </p:nvPr>
+        </p:nvSpPr>
+        <p:spPr/>
+        <p:txBody>
+          <a:bodyPr/>
+          <a:lstStyle/>
+          <a:p>
+            <a:r>
+              <a:rPr lang="en-US" dirty="0"/>
+              <a:t>Ternary operator</a:t>
+            </a:r>
+            <a:endParaRPr lang="uk-UA" dirty="0"/>
+          </a:p>
+        </p:txBody>
+      </p:sp>
+      <p:sp>
+        <p:nvSpPr>
+          <p:cNvPr id="3" name="Text Placeholder 2">
+            <a:extLst>
+              <a:ext uri="{FF2B5EF4-FFF2-40B4-BE49-F238E27FC236}">
+                <a16:creationId xmlns:a16="http://schemas.microsoft.com/office/drawing/2014/main" id="{E576C1D6-810C-4229-9AD9-EDBFB36724BD}"/>
+              </a:ext>
+            </a:extLst>
+          </p:cNvPr>
+          <p:cNvSpPr>
+            <a:spLocks noGrp="1"/>
+          </p:cNvSpPr>
+          <p:nvPr>
+            <p:ph type="body" sz="quarter" idx="10"/>
+          </p:nvPr>
+        </p:nvSpPr>
+        <p:spPr>
+          <a:xfrm>
+            <a:off x="685800" y="2057400"/>
+            <a:ext cx="10820400" cy="1264298"/>
+          </a:xfrm>
+        </p:spPr>
+        <p:txBody>
+          <a:bodyPr/>
+          <a:lstStyle/>
+          <a:p>
+            <a:r>
+              <a:rPr lang="en-US" b="0" i="0" dirty="0">
+                <a:solidFill>
+                  <a:srgbClr val="202122"/>
+                </a:solidFill>
+                <a:effectLst/>
+                <a:latin typeface="Arial" panose="020B0604020202020204" pitchFamily="34" charset="0"/>
+              </a:rPr>
+              <a:t>The conditional operator creates an expression that evaluates as one of two expressions depending on a condition. This is similar to the </a:t>
+            </a:r>
+            <a:r>
+              <a:rPr lang="en-US" b="0" i="1" dirty="0">
+                <a:solidFill>
+                  <a:srgbClr val="202122"/>
+                </a:solidFill>
+                <a:effectLst/>
+                <a:latin typeface="Arial" panose="020B0604020202020204" pitchFamily="34" charset="0"/>
+              </a:rPr>
+              <a:t>if</a:t>
+            </a:r>
+            <a:r>
+              <a:rPr lang="en-US" b="0" i="0" dirty="0">
+                <a:solidFill>
+                  <a:srgbClr val="202122"/>
+                </a:solidFill>
+                <a:effectLst/>
+                <a:latin typeface="Arial" panose="020B0604020202020204" pitchFamily="34" charset="0"/>
+              </a:rPr>
+              <a:t> statement that selects one of two statements to execute depending on a condition. I.e., the conditional operator is to expressions what </a:t>
+            </a:r>
+            <a:r>
+              <a:rPr lang="en-US" b="0" i="1" dirty="0">
+                <a:solidFill>
+                  <a:srgbClr val="202122"/>
+                </a:solidFill>
+                <a:effectLst/>
+                <a:latin typeface="Arial" panose="020B0604020202020204" pitchFamily="34" charset="0"/>
+              </a:rPr>
+              <a:t>if</a:t>
+            </a:r>
+            <a:r>
+              <a:rPr lang="en-US" b="0" i="0" dirty="0">
+                <a:solidFill>
+                  <a:srgbClr val="202122"/>
+                </a:solidFill>
+                <a:effectLst/>
+                <a:latin typeface="Arial" panose="020B0604020202020204" pitchFamily="34" charset="0"/>
+              </a:rPr>
+              <a:t> is to statements.</a:t>
+            </a:r>
+            <a:endParaRPr lang="uk-UA" dirty="0"/>
+          </a:p>
+        </p:txBody>
+      </p:sp>
+      <p:pic>
+        <p:nvPicPr>
+          <p:cNvPr id="5" name="Picture 4">
+            <a:extLst>
+              <a:ext uri="{FF2B5EF4-FFF2-40B4-BE49-F238E27FC236}">
+                <a16:creationId xmlns:a16="http://schemas.microsoft.com/office/drawing/2014/main" id="{41FAAC8B-8776-4051-BDA3-F02A3D421F63}"/>
+              </a:ext>
+            </a:extLst>
+          </p:cNvPr>
+          <p:cNvPicPr>
+            <a:picLocks noChangeAspect="1"/>
+          </p:cNvPicPr>
+          <p:nvPr/>
+        </p:nvPicPr>
+        <p:blipFill>
+          <a:blip r:embed="rId2"/>
+          <a:stretch>
+            <a:fillRect/>
+          </a:stretch>
+        </p:blipFill>
+        <p:spPr>
+          <a:xfrm>
+            <a:off x="497243" y="4133851"/>
+            <a:ext cx="4610100" cy="419100"/>
+          </a:xfrm>
+          <a:prstGeom prst="rect">
+            <a:avLst/>
+          </a:prstGeom>
+        </p:spPr>
+      </p:pic>
+      <p:pic>
+        <p:nvPicPr>
+          <p:cNvPr id="7" name="Picture 6">
+            <a:extLst>
+              <a:ext uri="{FF2B5EF4-FFF2-40B4-BE49-F238E27FC236}">
+                <a16:creationId xmlns:a16="http://schemas.microsoft.com/office/drawing/2014/main" id="{AF28A541-2352-4DE1-8291-2BFDAE2E40C6}"/>
+              </a:ext>
+            </a:extLst>
+          </p:cNvPr>
+          <p:cNvPicPr>
+            <a:picLocks noChangeAspect="1"/>
+          </p:cNvPicPr>
+          <p:nvPr/>
+        </p:nvPicPr>
+        <p:blipFill>
+          <a:blip r:embed="rId3"/>
+          <a:stretch>
+            <a:fillRect/>
+          </a:stretch>
+        </p:blipFill>
+        <p:spPr>
+          <a:xfrm>
+            <a:off x="5505450" y="4219576"/>
+            <a:ext cx="1181100" cy="247650"/>
+          </a:xfrm>
+          <a:prstGeom prst="rect">
+            <a:avLst/>
+          </a:prstGeom>
+        </p:spPr>
+      </p:pic>
+      <p:pic>
+        <p:nvPicPr>
+          <p:cNvPr id="10" name="Picture 9">
+            <a:extLst>
+              <a:ext uri="{FF2B5EF4-FFF2-40B4-BE49-F238E27FC236}">
+                <a16:creationId xmlns:a16="http://schemas.microsoft.com/office/drawing/2014/main" id="{39993A84-72FA-4F86-9C74-81565ABCBEEE}"/>
+              </a:ext>
+            </a:extLst>
+          </p:cNvPr>
+          <p:cNvPicPr>
+            <a:picLocks noChangeAspect="1"/>
+          </p:cNvPicPr>
+          <p:nvPr/>
+        </p:nvPicPr>
+        <p:blipFill>
+          <a:blip r:embed="rId4"/>
+          <a:stretch>
+            <a:fillRect/>
+          </a:stretch>
+        </p:blipFill>
+        <p:spPr>
+          <a:xfrm>
+            <a:off x="7155733" y="3757613"/>
+            <a:ext cx="2305050" cy="1171575"/>
+          </a:xfrm>
+          <a:prstGeom prst="rect">
+            <a:avLst/>
+          </a:prstGeom>
+        </p:spPr>
+      </p:pic>
+    </p:spTree>
+    <p:extLst>
+      <p:ext uri="{BB962C8B-B14F-4D97-AF65-F5344CB8AC3E}">
+        <p14:creationId xmlns:p14="http://schemas.microsoft.com/office/powerpoint/2010/main" val="3068800740"/>
+      </p:ext>
+    </p:extLst>
+  </p:cSld>
+  <p:clrMapOvr>
+    <a:masterClrMapping/>
+  </p:clrMapOvr>
+</p:sld>
+</file>
+
+<file path=ppt/slides/slide19.xml><?xml version="1.0" encoding="utf-8"?>
+<p:sld xmlns:a="http://schemas.openxmlformats.org/drawingml/2006/main" xmlns:r="http://schemas.openxmlformats.org/officeDocument/2006/relationships" xmlns:p="http://schemas.openxmlformats.org/presentationml/2006/main">
+  <p:cSld>
+    <p:spTree>
+      <p:nvGrpSpPr>
+        <p:cNvPr id="1" name=""/>
+        <p:cNvGrpSpPr/>
+        <p:nvPr/>
+      </p:nvGrpSpPr>
+      <p:grpSpPr>
+        <a:xfrm>
+          <a:off x="0" y="0"/>
+          <a:ext cx="0" cy="0"/>
+          <a:chOff x="0" y="0"/>
+          <a:chExt cx="0" cy="0"/>
+        </a:xfrm>
+      </p:grpSpPr>
+      <p:sp>
+        <p:nvSpPr>
+          <p:cNvPr id="2" name="Title 1">
+            <a:extLst>
+              <a:ext uri="{FF2B5EF4-FFF2-40B4-BE49-F238E27FC236}">
+                <a16:creationId xmlns:a16="http://schemas.microsoft.com/office/drawing/2014/main" id="{1EAE540D-0DF8-48C8-9015-B5306A891684}"/>
+              </a:ext>
+            </a:extLst>
+          </p:cNvPr>
+          <p:cNvSpPr>
+            <a:spLocks noGrp="1"/>
+          </p:cNvSpPr>
+          <p:nvPr>
+            <p:ph type="title"/>
+          </p:nvPr>
+        </p:nvSpPr>
+        <p:spPr/>
+        <p:txBody>
+          <a:bodyPr/>
+          <a:lstStyle/>
+          <a:p>
+            <a:r>
+              <a:rPr lang="en-US" dirty="0"/>
+              <a:t>Switch </a:t>
+            </a:r>
+            <a:endParaRPr lang="uk-UA" dirty="0"/>
+          </a:p>
+        </p:txBody>
+      </p:sp>
+      <p:sp>
+        <p:nvSpPr>
+          <p:cNvPr id="3" name="Text Placeholder 2">
+            <a:extLst>
+              <a:ext uri="{FF2B5EF4-FFF2-40B4-BE49-F238E27FC236}">
+                <a16:creationId xmlns:a16="http://schemas.microsoft.com/office/drawing/2014/main" id="{529B094C-CE8D-401F-B2BC-443D29FEF3E4}"/>
+              </a:ext>
+            </a:extLst>
+          </p:cNvPr>
+          <p:cNvSpPr>
+            <a:spLocks noGrp="1"/>
+          </p:cNvSpPr>
+          <p:nvPr>
+            <p:ph type="body" sz="quarter" idx="10"/>
+          </p:nvPr>
+        </p:nvSpPr>
+        <p:spPr>
+          <a:xfrm>
+            <a:off x="685800" y="2057399"/>
+            <a:ext cx="10820400" cy="3999271"/>
+          </a:xfrm>
+        </p:spPr>
+        <p:txBody>
+          <a:bodyPr/>
+          <a:lstStyle/>
+          <a:p>
+            <a:r>
+              <a:rPr lang="en-US" b="0" i="0" dirty="0">
+                <a:solidFill>
+                  <a:srgbClr val="202122"/>
+                </a:solidFill>
+                <a:effectLst/>
+                <a:latin typeface="Arial" panose="020B0604020202020204" pitchFamily="34" charset="0"/>
+              </a:rPr>
+              <a:t>The syntax of the JavaScript </a:t>
+            </a:r>
+            <a:r>
+              <a:rPr lang="en-US" b="0" i="0" u="none" strike="noStrike" dirty="0">
+                <a:solidFill>
+                  <a:srgbClr val="0B0080"/>
+                </a:solidFill>
+                <a:effectLst/>
+                <a:latin typeface="Arial" panose="020B0604020202020204" pitchFamily="34" charset="0"/>
+                <a:hlinkClick r:id="rId2" tooltip="Control flow"/>
+              </a:rPr>
+              <a:t>switch statement</a:t>
+            </a:r>
+            <a:r>
+              <a:rPr lang="en-US" b="0" i="0" dirty="0">
+                <a:solidFill>
+                  <a:srgbClr val="202122"/>
+                </a:solidFill>
+                <a:effectLst/>
+                <a:latin typeface="Arial" panose="020B0604020202020204" pitchFamily="34" charset="0"/>
+              </a:rPr>
+              <a:t> is as follows:</a:t>
+            </a:r>
+          </a:p>
+          <a:p>
+            <a:pPr marL="342900" indent="-342900">
+              <a:buFont typeface="Arial" panose="020B0604020202020204" pitchFamily="34" charset="0"/>
+              <a:buChar char="•"/>
+            </a:pPr>
+            <a:r>
+              <a:rPr lang="en-US" sz="1400" dirty="0"/>
+              <a:t>break; is optional; however, it is usually needed, since otherwise code execution will continue to the body of the next case block.</a:t>
+            </a:r>
+          </a:p>
+          <a:p>
+            <a:pPr marL="342900" indent="-342900">
+              <a:buFont typeface="Arial" panose="020B0604020202020204" pitchFamily="34" charset="0"/>
+              <a:buChar char="•"/>
+            </a:pPr>
+            <a:r>
+              <a:rPr lang="en-US" sz="1400" dirty="0"/>
+              <a:t>Add a break statement to the end of the last case as a precautionary measure, in case additional cases are added later.</a:t>
+            </a:r>
+          </a:p>
+          <a:p>
+            <a:pPr marL="342900" indent="-342900">
+              <a:buFont typeface="Arial" panose="020B0604020202020204" pitchFamily="34" charset="0"/>
+              <a:buChar char="•"/>
+            </a:pPr>
+            <a:r>
+              <a:rPr lang="en-US" sz="1400" dirty="0"/>
+              <a:t>String literal values can also be used for the case values.</a:t>
+            </a:r>
+          </a:p>
+          <a:p>
+            <a:pPr marL="342900" indent="-342900">
+              <a:buFont typeface="Arial" panose="020B0604020202020204" pitchFamily="34" charset="0"/>
+              <a:buChar char="•"/>
+            </a:pPr>
+            <a:r>
+              <a:rPr lang="en-US" sz="1400" dirty="0"/>
+              <a:t>Expressions can be used instead of values.</a:t>
+            </a:r>
+          </a:p>
+          <a:p>
+            <a:pPr marL="342900" indent="-342900">
+              <a:buFont typeface="Arial" panose="020B0604020202020204" pitchFamily="34" charset="0"/>
+              <a:buChar char="•"/>
+            </a:pPr>
+            <a:r>
+              <a:rPr lang="en-US" sz="1400" dirty="0"/>
+              <a:t>The default case (optional) is executed when the expression does not match any other specified cases.</a:t>
+            </a:r>
+          </a:p>
+          <a:p>
+            <a:pPr marL="342900" indent="-342900">
+              <a:buFont typeface="Arial" panose="020B0604020202020204" pitchFamily="34" charset="0"/>
+              <a:buChar char="•"/>
+            </a:pPr>
+            <a:r>
+              <a:rPr lang="en-US" sz="1400" dirty="0"/>
+              <a:t>Braces are required.</a:t>
+            </a:r>
+            <a:endParaRPr lang="uk-UA" sz="1400" dirty="0"/>
+          </a:p>
+        </p:txBody>
+      </p:sp>
+      <p:pic>
+        <p:nvPicPr>
+          <p:cNvPr id="7" name="Picture 6">
+            <a:extLst>
+              <a:ext uri="{FF2B5EF4-FFF2-40B4-BE49-F238E27FC236}">
+                <a16:creationId xmlns:a16="http://schemas.microsoft.com/office/drawing/2014/main" id="{D7E4CAF8-0FE1-4806-9F8C-A975BBFF06C8}"/>
+              </a:ext>
+            </a:extLst>
+          </p:cNvPr>
+          <p:cNvPicPr>
+            <a:picLocks noChangeAspect="1"/>
+          </p:cNvPicPr>
+          <p:nvPr/>
+        </p:nvPicPr>
+        <p:blipFill>
+          <a:blip r:embed="rId3"/>
+          <a:stretch>
+            <a:fillRect/>
+          </a:stretch>
+        </p:blipFill>
+        <p:spPr>
+          <a:xfrm>
+            <a:off x="9458325" y="3251405"/>
+            <a:ext cx="2047875" cy="2400300"/>
+          </a:xfrm>
+          <a:prstGeom prst="rect">
+            <a:avLst/>
+          </a:prstGeom>
+        </p:spPr>
+      </p:pic>
+    </p:spTree>
+    <p:extLst>
+      <p:ext uri="{BB962C8B-B14F-4D97-AF65-F5344CB8AC3E}">
+        <p14:creationId xmlns:p14="http://schemas.microsoft.com/office/powerpoint/2010/main" val="1176446011"/>
       </p:ext>
     </p:extLst>
   </p:cSld>
@@ -12690,6 +13612,1453 @@
     <p:extLst>
       <p:ext uri="{BB962C8B-B14F-4D97-AF65-F5344CB8AC3E}">
         <p14:creationId xmlns:p14="http://schemas.microsoft.com/office/powerpoint/2010/main" val="759534034"/>
+      </p:ext>
+    </p:extLst>
+  </p:cSld>
+  <p:clrMapOvr>
+    <a:masterClrMapping/>
+  </p:clrMapOvr>
+</p:sld>
+</file>
+
+<file path=ppt/slides/slide20.xml><?xml version="1.0" encoding="utf-8"?>
+<p:sld xmlns:a="http://schemas.openxmlformats.org/drawingml/2006/main" xmlns:r="http://schemas.openxmlformats.org/officeDocument/2006/relationships" xmlns:p="http://schemas.openxmlformats.org/presentationml/2006/main">
+  <p:cSld>
+    <p:spTree>
+      <p:nvGrpSpPr>
+        <p:cNvPr id="1" name=""/>
+        <p:cNvGrpSpPr/>
+        <p:nvPr/>
+      </p:nvGrpSpPr>
+      <p:grpSpPr>
+        <a:xfrm>
+          <a:off x="0" y="0"/>
+          <a:ext cx="0" cy="0"/>
+          <a:chOff x="0" y="0"/>
+          <a:chExt cx="0" cy="0"/>
+        </a:xfrm>
+      </p:grpSpPr>
+      <p:sp>
+        <p:nvSpPr>
+          <p:cNvPr id="2" name="Title 1">
+            <a:extLst>
+              <a:ext uri="{FF2B5EF4-FFF2-40B4-BE49-F238E27FC236}">
+                <a16:creationId xmlns:a16="http://schemas.microsoft.com/office/drawing/2014/main" id="{8EFB44B8-F48B-49D4-ADDE-6755721F96CA}"/>
+              </a:ext>
+            </a:extLst>
+          </p:cNvPr>
+          <p:cNvSpPr>
+            <a:spLocks noGrp="1"/>
+          </p:cNvSpPr>
+          <p:nvPr>
+            <p:ph type="title"/>
+          </p:nvPr>
+        </p:nvSpPr>
+        <p:spPr/>
+        <p:txBody>
+          <a:bodyPr/>
+          <a:lstStyle/>
+          <a:p>
+            <a:r>
+              <a:rPr lang="en-US" dirty="0"/>
+              <a:t>Loops (For)</a:t>
+            </a:r>
+            <a:endParaRPr lang="uk-UA" dirty="0"/>
+          </a:p>
+        </p:txBody>
+      </p:sp>
+      <p:sp>
+        <p:nvSpPr>
+          <p:cNvPr id="3" name="Text Placeholder 2">
+            <a:extLst>
+              <a:ext uri="{FF2B5EF4-FFF2-40B4-BE49-F238E27FC236}">
+                <a16:creationId xmlns:a16="http://schemas.microsoft.com/office/drawing/2014/main" id="{2FF86DA6-CE14-43E0-A846-DD688A35CDB0}"/>
+              </a:ext>
+            </a:extLst>
+          </p:cNvPr>
+          <p:cNvSpPr>
+            <a:spLocks noGrp="1"/>
+          </p:cNvSpPr>
+          <p:nvPr>
+            <p:ph type="body" sz="quarter" idx="10"/>
+          </p:nvPr>
+        </p:nvSpPr>
+        <p:spPr/>
+        <p:txBody>
+          <a:bodyPr/>
+          <a:lstStyle/>
+          <a:p>
+            <a:r>
+              <a:rPr lang="en-US" b="0" i="0" dirty="0">
+                <a:solidFill>
+                  <a:srgbClr val="202122"/>
+                </a:solidFill>
+                <a:effectLst/>
+                <a:latin typeface="Arial" panose="020B0604020202020204" pitchFamily="34" charset="0"/>
+              </a:rPr>
+              <a:t>The syntax of the JavaScript </a:t>
+            </a:r>
+            <a:r>
+              <a:rPr lang="en-US" b="0" i="0" u="none" strike="noStrike" dirty="0">
+                <a:solidFill>
+                  <a:srgbClr val="0B0080"/>
+                </a:solidFill>
+                <a:effectLst/>
+                <a:latin typeface="Arial" panose="020B0604020202020204" pitchFamily="34" charset="0"/>
+                <a:hlinkClick r:id="rId2" tooltip="For loop"/>
+              </a:rPr>
+              <a:t>for loop</a:t>
+            </a:r>
+            <a:r>
+              <a:rPr lang="en-US" b="0" i="0" dirty="0">
+                <a:solidFill>
+                  <a:srgbClr val="202122"/>
+                </a:solidFill>
+                <a:effectLst/>
+                <a:latin typeface="Arial" panose="020B0604020202020204" pitchFamily="34" charset="0"/>
+              </a:rPr>
+              <a:t> is as follows:</a:t>
+            </a:r>
+            <a:endParaRPr lang="uk-UA" dirty="0"/>
+          </a:p>
+        </p:txBody>
+      </p:sp>
+      <p:pic>
+        <p:nvPicPr>
+          <p:cNvPr id="5" name="Picture 4">
+            <a:extLst>
+              <a:ext uri="{FF2B5EF4-FFF2-40B4-BE49-F238E27FC236}">
+                <a16:creationId xmlns:a16="http://schemas.microsoft.com/office/drawing/2014/main" id="{EAB11CA5-B919-45E0-854A-0D6014168225}"/>
+              </a:ext>
+            </a:extLst>
+          </p:cNvPr>
+          <p:cNvPicPr>
+            <a:picLocks noChangeAspect="1"/>
+          </p:cNvPicPr>
+          <p:nvPr/>
+        </p:nvPicPr>
+        <p:blipFill>
+          <a:blip r:embed="rId3"/>
+          <a:stretch>
+            <a:fillRect/>
+          </a:stretch>
+        </p:blipFill>
+        <p:spPr>
+          <a:xfrm>
+            <a:off x="685800" y="3272759"/>
+            <a:ext cx="4124325" cy="1590675"/>
+          </a:xfrm>
+          <a:prstGeom prst="rect">
+            <a:avLst/>
+          </a:prstGeom>
+        </p:spPr>
+      </p:pic>
+      <p:pic>
+        <p:nvPicPr>
+          <p:cNvPr id="7" name="Picture 6">
+            <a:extLst>
+              <a:ext uri="{FF2B5EF4-FFF2-40B4-BE49-F238E27FC236}">
+                <a16:creationId xmlns:a16="http://schemas.microsoft.com/office/drawing/2014/main" id="{A7C3FC5F-26A6-4342-A988-703BE2263C31}"/>
+              </a:ext>
+            </a:extLst>
+          </p:cNvPr>
+          <p:cNvPicPr>
+            <a:picLocks noChangeAspect="1"/>
+          </p:cNvPicPr>
+          <p:nvPr/>
+        </p:nvPicPr>
+        <p:blipFill>
+          <a:blip r:embed="rId4"/>
+          <a:stretch>
+            <a:fillRect/>
+          </a:stretch>
+        </p:blipFill>
+        <p:spPr>
+          <a:xfrm>
+            <a:off x="5238750" y="3272759"/>
+            <a:ext cx="6410325" cy="438150"/>
+          </a:xfrm>
+          <a:prstGeom prst="rect">
+            <a:avLst/>
+          </a:prstGeom>
+        </p:spPr>
+      </p:pic>
+    </p:spTree>
+    <p:extLst>
+      <p:ext uri="{BB962C8B-B14F-4D97-AF65-F5344CB8AC3E}">
+        <p14:creationId xmlns:p14="http://schemas.microsoft.com/office/powerpoint/2010/main" val="2823601645"/>
+      </p:ext>
+    </p:extLst>
+  </p:cSld>
+  <p:clrMapOvr>
+    <a:masterClrMapping/>
+  </p:clrMapOvr>
+</p:sld>
+</file>
+
+<file path=ppt/slides/slide21.xml><?xml version="1.0" encoding="utf-8"?>
+<p:sld xmlns:a="http://schemas.openxmlformats.org/drawingml/2006/main" xmlns:r="http://schemas.openxmlformats.org/officeDocument/2006/relationships" xmlns:p="http://schemas.openxmlformats.org/presentationml/2006/main">
+  <p:cSld>
+    <p:spTree>
+      <p:nvGrpSpPr>
+        <p:cNvPr id="1" name=""/>
+        <p:cNvGrpSpPr/>
+        <p:nvPr/>
+      </p:nvGrpSpPr>
+      <p:grpSpPr>
+        <a:xfrm>
+          <a:off x="0" y="0"/>
+          <a:ext cx="0" cy="0"/>
+          <a:chOff x="0" y="0"/>
+          <a:chExt cx="0" cy="0"/>
+        </a:xfrm>
+      </p:grpSpPr>
+      <p:sp>
+        <p:nvSpPr>
+          <p:cNvPr id="2" name="Title 1">
+            <a:extLst>
+              <a:ext uri="{FF2B5EF4-FFF2-40B4-BE49-F238E27FC236}">
+                <a16:creationId xmlns:a16="http://schemas.microsoft.com/office/drawing/2014/main" id="{FB6956B6-DA9D-40FA-86E4-B0435CEDBD49}"/>
+              </a:ext>
+            </a:extLst>
+          </p:cNvPr>
+          <p:cNvSpPr>
+            <a:spLocks noGrp="1"/>
+          </p:cNvSpPr>
+          <p:nvPr>
+            <p:ph type="title"/>
+          </p:nvPr>
+        </p:nvSpPr>
+        <p:spPr/>
+        <p:txBody>
+          <a:bodyPr/>
+          <a:lstStyle/>
+          <a:p>
+            <a:r>
+              <a:rPr lang="en-US" dirty="0"/>
+              <a:t>Loops (For … in … )</a:t>
+            </a:r>
+            <a:endParaRPr lang="uk-UA" dirty="0"/>
+          </a:p>
+        </p:txBody>
+      </p:sp>
+      <p:sp>
+        <p:nvSpPr>
+          <p:cNvPr id="3" name="Text Placeholder 2">
+            <a:extLst>
+              <a:ext uri="{FF2B5EF4-FFF2-40B4-BE49-F238E27FC236}">
+                <a16:creationId xmlns:a16="http://schemas.microsoft.com/office/drawing/2014/main" id="{D247D88A-06CE-484A-B884-4356B2C16CFB}"/>
+              </a:ext>
+            </a:extLst>
+          </p:cNvPr>
+          <p:cNvSpPr>
+            <a:spLocks noGrp="1"/>
+          </p:cNvSpPr>
+          <p:nvPr>
+            <p:ph type="body" sz="quarter" idx="10"/>
+          </p:nvPr>
+        </p:nvSpPr>
+        <p:spPr/>
+        <p:txBody>
+          <a:bodyPr/>
+          <a:lstStyle/>
+          <a:p>
+            <a:r>
+              <a:rPr lang="en-US" dirty="0"/>
+              <a:t>The syntax of the JavaScript for ... in loop is as follows:</a:t>
+            </a:r>
+          </a:p>
+          <a:p>
+            <a:pPr algn="l">
+              <a:buFont typeface="Arial" panose="020B0604020202020204" pitchFamily="34" charset="0"/>
+              <a:buChar char="•"/>
+            </a:pPr>
+            <a:r>
+              <a:rPr lang="en-US" b="0" i="0" dirty="0">
+                <a:solidFill>
+                  <a:srgbClr val="202122"/>
+                </a:solidFill>
+                <a:effectLst/>
+                <a:latin typeface="Arial" panose="020B0604020202020204" pitchFamily="34" charset="0"/>
+              </a:rPr>
+              <a:t>Iterates through all enumerable properties of an object.</a:t>
+            </a:r>
+          </a:p>
+          <a:p>
+            <a:pPr algn="l">
+              <a:buFont typeface="Arial" panose="020B0604020202020204" pitchFamily="34" charset="0"/>
+              <a:buChar char="•"/>
+            </a:pPr>
+            <a:r>
+              <a:rPr lang="en-US" b="0" i="0" dirty="0">
+                <a:solidFill>
+                  <a:srgbClr val="202122"/>
+                </a:solidFill>
+                <a:effectLst/>
+                <a:latin typeface="Arial" panose="020B0604020202020204" pitchFamily="34" charset="0"/>
+              </a:rPr>
+              <a:t>Iterates through all used indices of array including all user-defined properties of array object, if any. Thus it may be better to use a traditional for loop with a numeric index when iterating over arrays.</a:t>
+            </a:r>
+          </a:p>
+          <a:p>
+            <a:pPr algn="l">
+              <a:buFont typeface="Arial" panose="020B0604020202020204" pitchFamily="34" charset="0"/>
+              <a:buChar char="•"/>
+            </a:pPr>
+            <a:r>
+              <a:rPr lang="en-US" b="0" i="0" dirty="0">
+                <a:solidFill>
+                  <a:srgbClr val="202122"/>
+                </a:solidFill>
+                <a:effectLst/>
+                <a:latin typeface="Arial" panose="020B0604020202020204" pitchFamily="34" charset="0"/>
+              </a:rPr>
+              <a:t>There are differences between the various Web browsers with regard to which properties will be reflected with the for...in loop statement.</a:t>
+            </a:r>
+          </a:p>
+          <a:p>
+            <a:endParaRPr lang="uk-UA" dirty="0"/>
+          </a:p>
+        </p:txBody>
+      </p:sp>
+      <p:pic>
+        <p:nvPicPr>
+          <p:cNvPr id="6" name="Picture 5">
+            <a:extLst>
+              <a:ext uri="{FF2B5EF4-FFF2-40B4-BE49-F238E27FC236}">
+                <a16:creationId xmlns:a16="http://schemas.microsoft.com/office/drawing/2014/main" id="{D66E37D6-C28C-47FC-BB0D-642F6B05B239}"/>
+              </a:ext>
+            </a:extLst>
+          </p:cNvPr>
+          <p:cNvPicPr>
+            <a:picLocks noChangeAspect="1"/>
+          </p:cNvPicPr>
+          <p:nvPr/>
+        </p:nvPicPr>
+        <p:blipFill>
+          <a:blip r:embed="rId2"/>
+          <a:stretch>
+            <a:fillRect/>
+          </a:stretch>
+        </p:blipFill>
+        <p:spPr>
+          <a:xfrm>
+            <a:off x="2547015" y="4790460"/>
+            <a:ext cx="6358903" cy="1040069"/>
+          </a:xfrm>
+          <a:prstGeom prst="rect">
+            <a:avLst/>
+          </a:prstGeom>
+        </p:spPr>
+      </p:pic>
+    </p:spTree>
+    <p:extLst>
+      <p:ext uri="{BB962C8B-B14F-4D97-AF65-F5344CB8AC3E}">
+        <p14:creationId xmlns:p14="http://schemas.microsoft.com/office/powerpoint/2010/main" val="1461266727"/>
+      </p:ext>
+    </p:extLst>
+  </p:cSld>
+  <p:clrMapOvr>
+    <a:masterClrMapping/>
+  </p:clrMapOvr>
+</p:sld>
+</file>
+
+<file path=ppt/slides/slide22.xml><?xml version="1.0" encoding="utf-8"?>
+<p:sld xmlns:a="http://schemas.openxmlformats.org/drawingml/2006/main" xmlns:r="http://schemas.openxmlformats.org/officeDocument/2006/relationships" xmlns:p="http://schemas.openxmlformats.org/presentationml/2006/main">
+  <p:cSld>
+    <p:spTree>
+      <p:nvGrpSpPr>
+        <p:cNvPr id="1" name=""/>
+        <p:cNvGrpSpPr/>
+        <p:nvPr/>
+      </p:nvGrpSpPr>
+      <p:grpSpPr>
+        <a:xfrm>
+          <a:off x="0" y="0"/>
+          <a:ext cx="0" cy="0"/>
+          <a:chOff x="0" y="0"/>
+          <a:chExt cx="0" cy="0"/>
+        </a:xfrm>
+      </p:grpSpPr>
+      <p:sp>
+        <p:nvSpPr>
+          <p:cNvPr id="2" name="Title 1">
+            <a:extLst>
+              <a:ext uri="{FF2B5EF4-FFF2-40B4-BE49-F238E27FC236}">
+                <a16:creationId xmlns:a16="http://schemas.microsoft.com/office/drawing/2014/main" id="{905214FC-E11D-4D46-9158-F43262D633B1}"/>
+              </a:ext>
+            </a:extLst>
+          </p:cNvPr>
+          <p:cNvSpPr>
+            <a:spLocks noGrp="1"/>
+          </p:cNvSpPr>
+          <p:nvPr>
+            <p:ph type="title"/>
+          </p:nvPr>
+        </p:nvSpPr>
+        <p:spPr/>
+        <p:txBody>
+          <a:bodyPr/>
+          <a:lstStyle/>
+          <a:p>
+            <a:r>
+              <a:rPr lang="en-US" dirty="0"/>
+              <a:t>Loops (For … of … )</a:t>
+            </a:r>
+            <a:endParaRPr lang="uk-UA" dirty="0"/>
+          </a:p>
+        </p:txBody>
+      </p:sp>
+      <p:sp>
+        <p:nvSpPr>
+          <p:cNvPr id="3" name="Text Placeholder 2">
+            <a:extLst>
+              <a:ext uri="{FF2B5EF4-FFF2-40B4-BE49-F238E27FC236}">
+                <a16:creationId xmlns:a16="http://schemas.microsoft.com/office/drawing/2014/main" id="{4A8D09D6-256B-4B38-9D5E-54CAF4362EF2}"/>
+              </a:ext>
+            </a:extLst>
+          </p:cNvPr>
+          <p:cNvSpPr>
+            <a:spLocks noGrp="1"/>
+          </p:cNvSpPr>
+          <p:nvPr>
+            <p:ph type="body" sz="quarter" idx="10"/>
+          </p:nvPr>
+        </p:nvSpPr>
+        <p:spPr/>
+        <p:txBody>
+          <a:bodyPr/>
+          <a:lstStyle/>
+          <a:p>
+            <a:r>
+              <a:rPr lang="en-US" b="0" i="0" dirty="0">
+                <a:solidFill>
+                  <a:srgbClr val="000000"/>
+                </a:solidFill>
+                <a:effectLst/>
+                <a:latin typeface="Verdana" panose="020B0604030504040204" pitchFamily="34" charset="0"/>
+              </a:rPr>
+              <a:t>Loop through the values of an array:</a:t>
+            </a:r>
+            <a:endParaRPr lang="uk-UA" dirty="0"/>
+          </a:p>
+        </p:txBody>
+      </p:sp>
+      <p:pic>
+        <p:nvPicPr>
+          <p:cNvPr id="5" name="Picture 4">
+            <a:extLst>
+              <a:ext uri="{FF2B5EF4-FFF2-40B4-BE49-F238E27FC236}">
+                <a16:creationId xmlns:a16="http://schemas.microsoft.com/office/drawing/2014/main" id="{880B5538-565C-4BCA-A711-2CF19D40E4B0}"/>
+              </a:ext>
+            </a:extLst>
+          </p:cNvPr>
+          <p:cNvPicPr>
+            <a:picLocks noChangeAspect="1"/>
+          </p:cNvPicPr>
+          <p:nvPr/>
+        </p:nvPicPr>
+        <p:blipFill>
+          <a:blip r:embed="rId2"/>
+          <a:stretch>
+            <a:fillRect/>
+          </a:stretch>
+        </p:blipFill>
+        <p:spPr>
+          <a:xfrm>
+            <a:off x="3442519" y="2993614"/>
+            <a:ext cx="4065371" cy="1804527"/>
+          </a:xfrm>
+          <a:prstGeom prst="rect">
+            <a:avLst/>
+          </a:prstGeom>
+        </p:spPr>
+      </p:pic>
+    </p:spTree>
+    <p:extLst>
+      <p:ext uri="{BB962C8B-B14F-4D97-AF65-F5344CB8AC3E}">
+        <p14:creationId xmlns:p14="http://schemas.microsoft.com/office/powerpoint/2010/main" val="2893420423"/>
+      </p:ext>
+    </p:extLst>
+  </p:cSld>
+  <p:clrMapOvr>
+    <a:masterClrMapping/>
+  </p:clrMapOvr>
+</p:sld>
+</file>
+
+<file path=ppt/slides/slide23.xml><?xml version="1.0" encoding="utf-8"?>
+<p:sld xmlns:a="http://schemas.openxmlformats.org/drawingml/2006/main" xmlns:r="http://schemas.openxmlformats.org/officeDocument/2006/relationships" xmlns:p="http://schemas.openxmlformats.org/presentationml/2006/main">
+  <p:cSld>
+    <p:spTree>
+      <p:nvGrpSpPr>
+        <p:cNvPr id="1" name=""/>
+        <p:cNvGrpSpPr/>
+        <p:nvPr/>
+      </p:nvGrpSpPr>
+      <p:grpSpPr>
+        <a:xfrm>
+          <a:off x="0" y="0"/>
+          <a:ext cx="0" cy="0"/>
+          <a:chOff x="0" y="0"/>
+          <a:chExt cx="0" cy="0"/>
+        </a:xfrm>
+      </p:grpSpPr>
+      <p:sp>
+        <p:nvSpPr>
+          <p:cNvPr id="2" name="Title 1">
+            <a:extLst>
+              <a:ext uri="{FF2B5EF4-FFF2-40B4-BE49-F238E27FC236}">
+                <a16:creationId xmlns:a16="http://schemas.microsoft.com/office/drawing/2014/main" id="{57E1312C-757A-43EE-B5D4-EE53B7BD3E64}"/>
+              </a:ext>
+            </a:extLst>
+          </p:cNvPr>
+          <p:cNvSpPr>
+            <a:spLocks noGrp="1"/>
+          </p:cNvSpPr>
+          <p:nvPr>
+            <p:ph type="title"/>
+          </p:nvPr>
+        </p:nvSpPr>
+        <p:spPr/>
+        <p:txBody>
+          <a:bodyPr/>
+          <a:lstStyle/>
+          <a:p>
+            <a:r>
+              <a:rPr lang="en-US" dirty="0"/>
+              <a:t>Loops (While)</a:t>
+            </a:r>
+            <a:endParaRPr lang="uk-UA" dirty="0"/>
+          </a:p>
+        </p:txBody>
+      </p:sp>
+      <p:sp>
+        <p:nvSpPr>
+          <p:cNvPr id="3" name="Text Placeholder 2">
+            <a:extLst>
+              <a:ext uri="{FF2B5EF4-FFF2-40B4-BE49-F238E27FC236}">
+                <a16:creationId xmlns:a16="http://schemas.microsoft.com/office/drawing/2014/main" id="{F69B9572-FBB4-40F2-B085-59333FC89A30}"/>
+              </a:ext>
+            </a:extLst>
+          </p:cNvPr>
+          <p:cNvSpPr>
+            <a:spLocks noGrp="1"/>
+          </p:cNvSpPr>
+          <p:nvPr>
+            <p:ph type="body" sz="quarter" idx="10"/>
+          </p:nvPr>
+        </p:nvSpPr>
+        <p:spPr/>
+        <p:txBody>
+          <a:bodyPr/>
+          <a:lstStyle/>
+          <a:p>
+            <a:r>
+              <a:rPr lang="en-US" b="0" i="0" dirty="0">
+                <a:solidFill>
+                  <a:srgbClr val="202122"/>
+                </a:solidFill>
+                <a:effectLst/>
+                <a:latin typeface="Arial" panose="020B0604020202020204" pitchFamily="34" charset="0"/>
+              </a:rPr>
+              <a:t>The syntax of the JavaScript </a:t>
+            </a:r>
+            <a:r>
+              <a:rPr lang="en-US" b="0" i="0" u="none" strike="noStrike" dirty="0">
+                <a:solidFill>
+                  <a:srgbClr val="0B0080"/>
+                </a:solidFill>
+                <a:effectLst/>
+                <a:latin typeface="Arial" panose="020B0604020202020204" pitchFamily="34" charset="0"/>
+                <a:hlinkClick r:id="rId2" tooltip="While loop"/>
+              </a:rPr>
+              <a:t>while loop</a:t>
+            </a:r>
+            <a:r>
+              <a:rPr lang="en-US" b="0" i="0" dirty="0">
+                <a:solidFill>
+                  <a:srgbClr val="202122"/>
+                </a:solidFill>
+                <a:effectLst/>
+                <a:latin typeface="Arial" panose="020B0604020202020204" pitchFamily="34" charset="0"/>
+              </a:rPr>
+              <a:t> is as follows:</a:t>
+            </a:r>
+            <a:endParaRPr lang="uk-UA" dirty="0"/>
+          </a:p>
+        </p:txBody>
+      </p:sp>
+      <p:pic>
+        <p:nvPicPr>
+          <p:cNvPr id="5" name="Picture 4">
+            <a:extLst>
+              <a:ext uri="{FF2B5EF4-FFF2-40B4-BE49-F238E27FC236}">
+                <a16:creationId xmlns:a16="http://schemas.microsoft.com/office/drawing/2014/main" id="{202929F1-71E8-44D2-A5EF-71CC6B4ECC61}"/>
+              </a:ext>
+            </a:extLst>
+          </p:cNvPr>
+          <p:cNvPicPr>
+            <a:picLocks noChangeAspect="1"/>
+          </p:cNvPicPr>
+          <p:nvPr/>
+        </p:nvPicPr>
+        <p:blipFill>
+          <a:blip r:embed="rId3"/>
+          <a:stretch>
+            <a:fillRect/>
+          </a:stretch>
+        </p:blipFill>
+        <p:spPr>
+          <a:xfrm>
+            <a:off x="4388566" y="2900208"/>
+            <a:ext cx="3024955" cy="2007213"/>
+          </a:xfrm>
+          <a:prstGeom prst="rect">
+            <a:avLst/>
+          </a:prstGeom>
+        </p:spPr>
+      </p:pic>
+    </p:spTree>
+    <p:extLst>
+      <p:ext uri="{BB962C8B-B14F-4D97-AF65-F5344CB8AC3E}">
+        <p14:creationId xmlns:p14="http://schemas.microsoft.com/office/powerpoint/2010/main" val="1011569668"/>
+      </p:ext>
+    </p:extLst>
+  </p:cSld>
+  <p:clrMapOvr>
+    <a:masterClrMapping/>
+  </p:clrMapOvr>
+</p:sld>
+</file>
+
+<file path=ppt/slides/slide24.xml><?xml version="1.0" encoding="utf-8"?>
+<p:sld xmlns:a="http://schemas.openxmlformats.org/drawingml/2006/main" xmlns:r="http://schemas.openxmlformats.org/officeDocument/2006/relationships" xmlns:p="http://schemas.openxmlformats.org/presentationml/2006/main">
+  <p:cSld>
+    <p:spTree>
+      <p:nvGrpSpPr>
+        <p:cNvPr id="1" name=""/>
+        <p:cNvGrpSpPr/>
+        <p:nvPr/>
+      </p:nvGrpSpPr>
+      <p:grpSpPr>
+        <a:xfrm>
+          <a:off x="0" y="0"/>
+          <a:ext cx="0" cy="0"/>
+          <a:chOff x="0" y="0"/>
+          <a:chExt cx="0" cy="0"/>
+        </a:xfrm>
+      </p:grpSpPr>
+      <p:sp>
+        <p:nvSpPr>
+          <p:cNvPr id="2" name="Title 1">
+            <a:extLst>
+              <a:ext uri="{FF2B5EF4-FFF2-40B4-BE49-F238E27FC236}">
+                <a16:creationId xmlns:a16="http://schemas.microsoft.com/office/drawing/2014/main" id="{4BB8350A-FA19-48CD-B650-25FF16A62627}"/>
+              </a:ext>
+            </a:extLst>
+          </p:cNvPr>
+          <p:cNvSpPr>
+            <a:spLocks noGrp="1"/>
+          </p:cNvSpPr>
+          <p:nvPr>
+            <p:ph type="title"/>
+          </p:nvPr>
+        </p:nvSpPr>
+        <p:spPr/>
+        <p:txBody>
+          <a:bodyPr/>
+          <a:lstStyle/>
+          <a:p>
+            <a:r>
+              <a:rPr lang="en-US" dirty="0"/>
+              <a:t>Loops (do … while)</a:t>
+            </a:r>
+            <a:endParaRPr lang="uk-UA" dirty="0"/>
+          </a:p>
+        </p:txBody>
+      </p:sp>
+      <p:sp>
+        <p:nvSpPr>
+          <p:cNvPr id="3" name="Text Placeholder 2">
+            <a:extLst>
+              <a:ext uri="{FF2B5EF4-FFF2-40B4-BE49-F238E27FC236}">
+                <a16:creationId xmlns:a16="http://schemas.microsoft.com/office/drawing/2014/main" id="{72B896BC-9BAB-4E72-8054-25F2F679726E}"/>
+              </a:ext>
+            </a:extLst>
+          </p:cNvPr>
+          <p:cNvSpPr>
+            <a:spLocks noGrp="1"/>
+          </p:cNvSpPr>
+          <p:nvPr>
+            <p:ph type="body" sz="quarter" idx="10"/>
+          </p:nvPr>
+        </p:nvSpPr>
+        <p:spPr/>
+        <p:txBody>
+          <a:bodyPr/>
+          <a:lstStyle/>
+          <a:p>
+            <a:r>
+              <a:rPr lang="en-US" dirty="0"/>
+              <a:t>The syntax of the JavaScript do ... while loop is as follows:</a:t>
+            </a:r>
+            <a:endParaRPr lang="uk-UA" dirty="0"/>
+          </a:p>
+        </p:txBody>
+      </p:sp>
+      <p:pic>
+        <p:nvPicPr>
+          <p:cNvPr id="6" name="Picture 5">
+            <a:extLst>
+              <a:ext uri="{FF2B5EF4-FFF2-40B4-BE49-F238E27FC236}">
+                <a16:creationId xmlns:a16="http://schemas.microsoft.com/office/drawing/2014/main" id="{841736C4-7BA0-4293-8A4D-E8C5513F35F8}"/>
+              </a:ext>
+            </a:extLst>
+          </p:cNvPr>
+          <p:cNvPicPr>
+            <a:picLocks noChangeAspect="1"/>
+          </p:cNvPicPr>
+          <p:nvPr/>
+        </p:nvPicPr>
+        <p:blipFill>
+          <a:blip r:embed="rId2"/>
+          <a:stretch>
+            <a:fillRect/>
+          </a:stretch>
+        </p:blipFill>
+        <p:spPr>
+          <a:xfrm>
+            <a:off x="4480542" y="2792053"/>
+            <a:ext cx="3230916" cy="2133907"/>
+          </a:xfrm>
+          <a:prstGeom prst="rect">
+            <a:avLst/>
+          </a:prstGeom>
+        </p:spPr>
+      </p:pic>
+    </p:spTree>
+    <p:extLst>
+      <p:ext uri="{BB962C8B-B14F-4D97-AF65-F5344CB8AC3E}">
+        <p14:creationId xmlns:p14="http://schemas.microsoft.com/office/powerpoint/2010/main" val="1917895871"/>
+      </p:ext>
+    </p:extLst>
+  </p:cSld>
+  <p:clrMapOvr>
+    <a:masterClrMapping/>
+  </p:clrMapOvr>
+</p:sld>
+</file>
+
+<file path=ppt/slides/slide25.xml><?xml version="1.0" encoding="utf-8"?>
+<p:sld xmlns:a="http://schemas.openxmlformats.org/drawingml/2006/main" xmlns:r="http://schemas.openxmlformats.org/officeDocument/2006/relationships" xmlns:p="http://schemas.openxmlformats.org/presentationml/2006/main">
+  <p:cSld>
+    <p:spTree>
+      <p:nvGrpSpPr>
+        <p:cNvPr id="1" name=""/>
+        <p:cNvGrpSpPr/>
+        <p:nvPr/>
+      </p:nvGrpSpPr>
+      <p:grpSpPr>
+        <a:xfrm>
+          <a:off x="0" y="0"/>
+          <a:ext cx="0" cy="0"/>
+          <a:chOff x="0" y="0"/>
+          <a:chExt cx="0" cy="0"/>
+        </a:xfrm>
+      </p:grpSpPr>
+      <p:sp>
+        <p:nvSpPr>
+          <p:cNvPr id="2" name="Title 1">
+            <a:extLst>
+              <a:ext uri="{FF2B5EF4-FFF2-40B4-BE49-F238E27FC236}">
+                <a16:creationId xmlns:a16="http://schemas.microsoft.com/office/drawing/2014/main" id="{0BB2C899-0AD1-403D-B908-E775A75E0189}"/>
+              </a:ext>
+            </a:extLst>
+          </p:cNvPr>
+          <p:cNvSpPr>
+            <a:spLocks noGrp="1"/>
+          </p:cNvSpPr>
+          <p:nvPr>
+            <p:ph type="title"/>
+          </p:nvPr>
+        </p:nvSpPr>
+        <p:spPr/>
+        <p:txBody>
+          <a:bodyPr/>
+          <a:lstStyle/>
+          <a:p>
+            <a:r>
+              <a:rPr lang="en-US" dirty="0"/>
+              <a:t>Labels</a:t>
+            </a:r>
+            <a:endParaRPr lang="uk-UA" dirty="0"/>
+          </a:p>
+        </p:txBody>
+      </p:sp>
+      <p:sp>
+        <p:nvSpPr>
+          <p:cNvPr id="3" name="Text Placeholder 2">
+            <a:extLst>
+              <a:ext uri="{FF2B5EF4-FFF2-40B4-BE49-F238E27FC236}">
+                <a16:creationId xmlns:a16="http://schemas.microsoft.com/office/drawing/2014/main" id="{332CF67E-06F8-4229-B8BD-F841DCB0240C}"/>
+              </a:ext>
+            </a:extLst>
+          </p:cNvPr>
+          <p:cNvSpPr>
+            <a:spLocks noGrp="1"/>
+          </p:cNvSpPr>
+          <p:nvPr>
+            <p:ph type="body" sz="quarter" idx="10"/>
+          </p:nvPr>
+        </p:nvSpPr>
+        <p:spPr/>
+        <p:txBody>
+          <a:bodyPr/>
+          <a:lstStyle/>
+          <a:p>
+            <a:r>
+              <a:rPr lang="en-US" dirty="0"/>
+              <a:t>JavaScript supports nested labels in most implementations. Loops or blocks can be labelled for the break statement, and loops for continue. Although </a:t>
+            </a:r>
+            <a:r>
+              <a:rPr lang="en-US" dirty="0" err="1"/>
+              <a:t>goto</a:t>
+            </a:r>
+            <a:r>
+              <a:rPr lang="en-US" dirty="0"/>
+              <a:t> is a reserved word,[14] </a:t>
+            </a:r>
+            <a:r>
+              <a:rPr lang="en-US" dirty="0" err="1"/>
+              <a:t>goto</a:t>
+            </a:r>
+            <a:r>
+              <a:rPr lang="en-US" dirty="0"/>
+              <a:t> is not implemented in JavaScript.</a:t>
+            </a:r>
+            <a:endParaRPr lang="uk-UA" dirty="0"/>
+          </a:p>
+        </p:txBody>
+      </p:sp>
+      <p:pic>
+        <p:nvPicPr>
+          <p:cNvPr id="6" name="Picture 5">
+            <a:extLst>
+              <a:ext uri="{FF2B5EF4-FFF2-40B4-BE49-F238E27FC236}">
+                <a16:creationId xmlns:a16="http://schemas.microsoft.com/office/drawing/2014/main" id="{B66104E3-08E7-407C-B26C-776697FC194D}"/>
+              </a:ext>
+            </a:extLst>
+          </p:cNvPr>
+          <p:cNvPicPr>
+            <a:picLocks noChangeAspect="1"/>
+          </p:cNvPicPr>
+          <p:nvPr/>
+        </p:nvPicPr>
+        <p:blipFill>
+          <a:blip r:embed="rId2"/>
+          <a:stretch>
+            <a:fillRect/>
+          </a:stretch>
+        </p:blipFill>
+        <p:spPr>
+          <a:xfrm>
+            <a:off x="3894676" y="2880851"/>
+            <a:ext cx="5465633" cy="3773533"/>
+          </a:xfrm>
+          <a:prstGeom prst="rect">
+            <a:avLst/>
+          </a:prstGeom>
+        </p:spPr>
+      </p:pic>
+    </p:spTree>
+    <p:extLst>
+      <p:ext uri="{BB962C8B-B14F-4D97-AF65-F5344CB8AC3E}">
+        <p14:creationId xmlns:p14="http://schemas.microsoft.com/office/powerpoint/2010/main" val="2329693536"/>
+      </p:ext>
+    </p:extLst>
+  </p:cSld>
+  <p:clrMapOvr>
+    <a:masterClrMapping/>
+  </p:clrMapOvr>
+</p:sld>
+</file>
+
+<file path=ppt/slides/slide26.xml><?xml version="1.0" encoding="utf-8"?>
+<p:sld xmlns:a="http://schemas.openxmlformats.org/drawingml/2006/main" xmlns:r="http://schemas.openxmlformats.org/officeDocument/2006/relationships" xmlns:p="http://schemas.openxmlformats.org/presentationml/2006/main">
+  <p:cSld>
+    <p:spTree>
+      <p:nvGrpSpPr>
+        <p:cNvPr id="1" name=""/>
+        <p:cNvGrpSpPr/>
+        <p:nvPr/>
+      </p:nvGrpSpPr>
+      <p:grpSpPr>
+        <a:xfrm>
+          <a:off x="0" y="0"/>
+          <a:ext cx="0" cy="0"/>
+          <a:chOff x="0" y="0"/>
+          <a:chExt cx="0" cy="0"/>
+        </a:xfrm>
+      </p:grpSpPr>
+      <p:sp>
+        <p:nvSpPr>
+          <p:cNvPr id="2" name="Title 1">
+            <a:extLst>
+              <a:ext uri="{FF2B5EF4-FFF2-40B4-BE49-F238E27FC236}">
+                <a16:creationId xmlns:a16="http://schemas.microsoft.com/office/drawing/2014/main" id="{4860C34C-468B-4879-8A3C-7B2153336550}"/>
+              </a:ext>
+            </a:extLst>
+          </p:cNvPr>
+          <p:cNvSpPr>
+            <a:spLocks noGrp="1"/>
+          </p:cNvSpPr>
+          <p:nvPr>
+            <p:ph type="title"/>
+          </p:nvPr>
+        </p:nvSpPr>
+        <p:spPr/>
+        <p:txBody>
+          <a:bodyPr/>
+          <a:lstStyle/>
+          <a:p>
+            <a:r>
+              <a:rPr lang="en-US" dirty="0"/>
+              <a:t>With</a:t>
+            </a:r>
+            <a:endParaRPr lang="uk-UA" dirty="0"/>
+          </a:p>
+        </p:txBody>
+      </p:sp>
+      <p:sp>
+        <p:nvSpPr>
+          <p:cNvPr id="3" name="Text Placeholder 2">
+            <a:extLst>
+              <a:ext uri="{FF2B5EF4-FFF2-40B4-BE49-F238E27FC236}">
+                <a16:creationId xmlns:a16="http://schemas.microsoft.com/office/drawing/2014/main" id="{9D762AD2-742E-41F0-8B55-FA347DAE4E90}"/>
+              </a:ext>
+            </a:extLst>
+          </p:cNvPr>
+          <p:cNvSpPr>
+            <a:spLocks noGrp="1"/>
+          </p:cNvSpPr>
+          <p:nvPr>
+            <p:ph type="body" sz="quarter" idx="10"/>
+          </p:nvPr>
+        </p:nvSpPr>
+        <p:spPr/>
+        <p:txBody>
+          <a:bodyPr/>
+          <a:lstStyle/>
+          <a:p>
+            <a:r>
+              <a:rPr lang="en-US" b="0" i="0" dirty="0">
+                <a:solidFill>
+                  <a:srgbClr val="202122"/>
+                </a:solidFill>
+                <a:effectLst/>
+                <a:latin typeface="Arial" panose="020B0604020202020204" pitchFamily="34" charset="0"/>
+              </a:rPr>
+              <a:t>The with statement adds all of the given object's properties and methods into the following block's scope, letting them be referenced as if they were local variables.</a:t>
+            </a:r>
+            <a:endParaRPr lang="uk-UA" dirty="0"/>
+          </a:p>
+        </p:txBody>
+      </p:sp>
+      <p:pic>
+        <p:nvPicPr>
+          <p:cNvPr id="5" name="Picture 4">
+            <a:extLst>
+              <a:ext uri="{FF2B5EF4-FFF2-40B4-BE49-F238E27FC236}">
+                <a16:creationId xmlns:a16="http://schemas.microsoft.com/office/drawing/2014/main" id="{4A635ECF-F83B-4E92-83A3-DF4BAECBB84F}"/>
+              </a:ext>
+            </a:extLst>
+          </p:cNvPr>
+          <p:cNvPicPr>
+            <a:picLocks noChangeAspect="1"/>
+          </p:cNvPicPr>
+          <p:nvPr/>
+        </p:nvPicPr>
+        <p:blipFill>
+          <a:blip r:embed="rId2"/>
+          <a:stretch>
+            <a:fillRect/>
+          </a:stretch>
+        </p:blipFill>
+        <p:spPr>
+          <a:xfrm>
+            <a:off x="4072652" y="3002416"/>
+            <a:ext cx="4308668" cy="1532262"/>
+          </a:xfrm>
+          <a:prstGeom prst="rect">
+            <a:avLst/>
+          </a:prstGeom>
+        </p:spPr>
+      </p:pic>
+    </p:spTree>
+    <p:extLst>
+      <p:ext uri="{BB962C8B-B14F-4D97-AF65-F5344CB8AC3E}">
+        <p14:creationId xmlns:p14="http://schemas.microsoft.com/office/powerpoint/2010/main" val="3754163564"/>
+      </p:ext>
+    </p:extLst>
+  </p:cSld>
+  <p:clrMapOvr>
+    <a:masterClrMapping/>
+  </p:clrMapOvr>
+</p:sld>
+</file>
+
+<file path=ppt/slides/slide27.xml><?xml version="1.0" encoding="utf-8"?>
+<p:sld xmlns:a="http://schemas.openxmlformats.org/drawingml/2006/main" xmlns:r="http://schemas.openxmlformats.org/officeDocument/2006/relationships" xmlns:p="http://schemas.openxmlformats.org/presentationml/2006/main">
+  <p:cSld>
+    <p:spTree>
+      <p:nvGrpSpPr>
+        <p:cNvPr id="1" name=""/>
+        <p:cNvGrpSpPr/>
+        <p:nvPr/>
+      </p:nvGrpSpPr>
+      <p:grpSpPr>
+        <a:xfrm>
+          <a:off x="0" y="0"/>
+          <a:ext cx="0" cy="0"/>
+          <a:chOff x="0" y="0"/>
+          <a:chExt cx="0" cy="0"/>
+        </a:xfrm>
+      </p:grpSpPr>
+      <p:sp>
+        <p:nvSpPr>
+          <p:cNvPr id="2" name="Title 1">
+            <a:extLst>
+              <a:ext uri="{FF2B5EF4-FFF2-40B4-BE49-F238E27FC236}">
+                <a16:creationId xmlns:a16="http://schemas.microsoft.com/office/drawing/2014/main" id="{ED425864-6512-4D5E-B783-330ABA042FAB}"/>
+              </a:ext>
+            </a:extLst>
+          </p:cNvPr>
+          <p:cNvSpPr>
+            <a:spLocks noGrp="1"/>
+          </p:cNvSpPr>
+          <p:nvPr>
+            <p:ph type="title"/>
+          </p:nvPr>
+        </p:nvSpPr>
+        <p:spPr/>
+        <p:txBody>
+          <a:bodyPr/>
+          <a:lstStyle/>
+          <a:p>
+            <a:r>
+              <a:rPr lang="en-US" dirty="0"/>
+              <a:t>Error handling</a:t>
+            </a:r>
+            <a:endParaRPr lang="uk-UA" dirty="0"/>
+          </a:p>
+        </p:txBody>
+      </p:sp>
+      <p:sp>
+        <p:nvSpPr>
+          <p:cNvPr id="3" name="Text Placeholder 2">
+            <a:extLst>
+              <a:ext uri="{FF2B5EF4-FFF2-40B4-BE49-F238E27FC236}">
+                <a16:creationId xmlns:a16="http://schemas.microsoft.com/office/drawing/2014/main" id="{78055265-3658-4F98-8CDB-8B548F83E81A}"/>
+              </a:ext>
+            </a:extLst>
+          </p:cNvPr>
+          <p:cNvSpPr>
+            <a:spLocks noGrp="1"/>
+          </p:cNvSpPr>
+          <p:nvPr>
+            <p:ph type="body" sz="quarter" idx="10"/>
+          </p:nvPr>
+        </p:nvSpPr>
+        <p:spPr/>
+        <p:txBody>
+          <a:bodyPr/>
+          <a:lstStyle/>
+          <a:p>
+            <a:r>
+              <a:rPr lang="en-US" dirty="0"/>
+              <a:t>JavaScript includes a try ... catch ... finally exception handling statement to handle run-time errors.</a:t>
+            </a:r>
+          </a:p>
+          <a:p>
+            <a:endParaRPr lang="en-US" dirty="0"/>
+          </a:p>
+          <a:p>
+            <a:r>
+              <a:rPr lang="en-US" dirty="0"/>
+              <a:t>The try ... catch ... finally statement catches exceptions resulting from an error or a throw statement. Its syntax is as follows:</a:t>
+            </a:r>
+            <a:endParaRPr lang="uk-UA" dirty="0"/>
+          </a:p>
+        </p:txBody>
+      </p:sp>
+      <p:pic>
+        <p:nvPicPr>
+          <p:cNvPr id="6" name="Picture 5">
+            <a:extLst>
+              <a:ext uri="{FF2B5EF4-FFF2-40B4-BE49-F238E27FC236}">
+                <a16:creationId xmlns:a16="http://schemas.microsoft.com/office/drawing/2014/main" id="{EE544C33-42AA-4432-880B-0E177C222301}"/>
+              </a:ext>
+            </a:extLst>
+          </p:cNvPr>
+          <p:cNvPicPr>
+            <a:picLocks noChangeAspect="1"/>
+          </p:cNvPicPr>
+          <p:nvPr/>
+        </p:nvPicPr>
+        <p:blipFill>
+          <a:blip r:embed="rId2"/>
+          <a:stretch>
+            <a:fillRect/>
+          </a:stretch>
+        </p:blipFill>
+        <p:spPr>
+          <a:xfrm>
+            <a:off x="5585003" y="3802980"/>
+            <a:ext cx="5572125" cy="1581150"/>
+          </a:xfrm>
+          <a:prstGeom prst="rect">
+            <a:avLst/>
+          </a:prstGeom>
+        </p:spPr>
+      </p:pic>
+      <p:pic>
+        <p:nvPicPr>
+          <p:cNvPr id="8" name="Picture 7">
+            <a:extLst>
+              <a:ext uri="{FF2B5EF4-FFF2-40B4-BE49-F238E27FC236}">
+                <a16:creationId xmlns:a16="http://schemas.microsoft.com/office/drawing/2014/main" id="{87F2B6B6-2066-4E1D-B239-CC036DE495FE}"/>
+              </a:ext>
+            </a:extLst>
+          </p:cNvPr>
+          <p:cNvPicPr>
+            <a:picLocks noChangeAspect="1"/>
+          </p:cNvPicPr>
+          <p:nvPr/>
+        </p:nvPicPr>
+        <p:blipFill>
+          <a:blip r:embed="rId3"/>
+          <a:stretch>
+            <a:fillRect/>
+          </a:stretch>
+        </p:blipFill>
+        <p:spPr>
+          <a:xfrm>
+            <a:off x="905847" y="4390809"/>
+            <a:ext cx="4330084" cy="962241"/>
+          </a:xfrm>
+          <a:prstGeom prst="rect">
+            <a:avLst/>
+          </a:prstGeom>
+        </p:spPr>
+      </p:pic>
+      <p:sp>
+        <p:nvSpPr>
+          <p:cNvPr id="9" name="TextBox 8">
+            <a:extLst>
+              <a:ext uri="{FF2B5EF4-FFF2-40B4-BE49-F238E27FC236}">
+                <a16:creationId xmlns:a16="http://schemas.microsoft.com/office/drawing/2014/main" id="{F7BB546A-1094-4019-83D7-278DFB5A5B56}"/>
+              </a:ext>
+            </a:extLst>
+          </p:cNvPr>
+          <p:cNvSpPr txBox="1"/>
+          <p:nvPr/>
+        </p:nvSpPr>
+        <p:spPr>
+          <a:xfrm>
+            <a:off x="2230017" y="4072793"/>
+            <a:ext cx="907621" cy="369332"/>
+          </a:xfrm>
+          <a:prstGeom prst="rect">
+            <a:avLst/>
+          </a:prstGeom>
+          <a:noFill/>
+        </p:spPr>
+        <p:txBody>
+          <a:bodyPr wrap="none" rtlCol="0">
+            <a:spAutoFit/>
+          </a:bodyPr>
+          <a:lstStyle/>
+          <a:p>
+            <a:r>
+              <a:rPr lang="en-US" i="1" dirty="0" err="1">
+                <a:solidFill>
+                  <a:schemeClr val="bg1"/>
+                </a:solidFill>
+              </a:rPr>
+              <a:t>mozilla</a:t>
+            </a:r>
+            <a:endParaRPr lang="uk-UA" i="1" dirty="0">
+              <a:solidFill>
+                <a:schemeClr val="bg1"/>
+              </a:solidFill>
+            </a:endParaRPr>
+          </a:p>
+        </p:txBody>
+      </p:sp>
+    </p:spTree>
+    <p:extLst>
+      <p:ext uri="{BB962C8B-B14F-4D97-AF65-F5344CB8AC3E}">
+        <p14:creationId xmlns:p14="http://schemas.microsoft.com/office/powerpoint/2010/main" val="2133484046"/>
+      </p:ext>
+    </p:extLst>
+  </p:cSld>
+  <p:clrMapOvr>
+    <a:masterClrMapping/>
+  </p:clrMapOvr>
+</p:sld>
+</file>
+
+<file path=ppt/slides/slide28.xml><?xml version="1.0" encoding="utf-8"?>
+<p:sld xmlns:a="http://schemas.openxmlformats.org/drawingml/2006/main" xmlns:r="http://schemas.openxmlformats.org/officeDocument/2006/relationships" xmlns:p="http://schemas.openxmlformats.org/presentationml/2006/main">
+  <p:cSld>
+    <p:spTree>
+      <p:nvGrpSpPr>
+        <p:cNvPr id="1" name=""/>
+        <p:cNvGrpSpPr/>
+        <p:nvPr/>
+      </p:nvGrpSpPr>
+      <p:grpSpPr>
+        <a:xfrm>
+          <a:off x="0" y="0"/>
+          <a:ext cx="0" cy="0"/>
+          <a:chOff x="0" y="0"/>
+          <a:chExt cx="0" cy="0"/>
+        </a:xfrm>
+      </p:grpSpPr>
+      <p:sp>
+        <p:nvSpPr>
+          <p:cNvPr id="2" name="Title 1">
+            <a:extLst>
+              <a:ext uri="{FF2B5EF4-FFF2-40B4-BE49-F238E27FC236}">
+                <a16:creationId xmlns:a16="http://schemas.microsoft.com/office/drawing/2014/main" id="{45832374-4BBD-420D-B3B2-8D6C295F8628}"/>
+              </a:ext>
+            </a:extLst>
+          </p:cNvPr>
+          <p:cNvSpPr>
+            <a:spLocks noGrp="1"/>
+          </p:cNvSpPr>
+          <p:nvPr>
+            <p:ph type="title"/>
+          </p:nvPr>
+        </p:nvSpPr>
+        <p:spPr/>
+        <p:txBody>
+          <a:bodyPr/>
+          <a:lstStyle/>
+          <a:p>
+            <a:r>
+              <a:rPr lang="en-US" dirty="0" err="1"/>
+              <a:t>onerror</a:t>
+            </a:r>
+            <a:endParaRPr lang="uk-UA" dirty="0"/>
+          </a:p>
+        </p:txBody>
+      </p:sp>
+      <p:sp>
+        <p:nvSpPr>
+          <p:cNvPr id="3" name="Text Placeholder 2">
+            <a:extLst>
+              <a:ext uri="{FF2B5EF4-FFF2-40B4-BE49-F238E27FC236}">
+                <a16:creationId xmlns:a16="http://schemas.microsoft.com/office/drawing/2014/main" id="{24B7CFB6-EAAA-4622-8C58-F419ACD4EDE6}"/>
+              </a:ext>
+            </a:extLst>
+          </p:cNvPr>
+          <p:cNvSpPr>
+            <a:spLocks noGrp="1"/>
+          </p:cNvSpPr>
+          <p:nvPr>
+            <p:ph type="body" sz="quarter" idx="10"/>
+          </p:nvPr>
+        </p:nvSpPr>
+        <p:spPr/>
+        <p:txBody>
+          <a:bodyPr/>
+          <a:lstStyle/>
+          <a:p>
+            <a:r>
+              <a:rPr lang="en-US" b="0" i="0" dirty="0">
+                <a:solidFill>
+                  <a:srgbClr val="202122"/>
+                </a:solidFill>
+                <a:effectLst/>
+                <a:latin typeface="Arial" panose="020B0604020202020204" pitchFamily="34" charset="0"/>
+              </a:rPr>
+              <a:t>In a browser, the </a:t>
+            </a:r>
+            <a:r>
+              <a:rPr lang="en-US" b="0" i="0" dirty="0" err="1">
+                <a:solidFill>
+                  <a:srgbClr val="202122"/>
+                </a:solidFill>
+                <a:effectLst/>
+                <a:latin typeface="Courier New" panose="02070309020205020404" pitchFamily="49" charset="0"/>
+              </a:rPr>
+              <a:t>onerror</a:t>
+            </a:r>
+            <a:r>
+              <a:rPr lang="en-US" b="0" i="0" dirty="0">
+                <a:solidFill>
+                  <a:srgbClr val="202122"/>
+                </a:solidFill>
+                <a:effectLst/>
+                <a:latin typeface="Arial" panose="020B0604020202020204" pitchFamily="34" charset="0"/>
+              </a:rPr>
+              <a:t> event is more commonly used to trap exceptions.</a:t>
+            </a:r>
+            <a:endParaRPr lang="uk-UA" dirty="0"/>
+          </a:p>
+        </p:txBody>
+      </p:sp>
+      <p:pic>
+        <p:nvPicPr>
+          <p:cNvPr id="5" name="Picture 4">
+            <a:extLst>
+              <a:ext uri="{FF2B5EF4-FFF2-40B4-BE49-F238E27FC236}">
+                <a16:creationId xmlns:a16="http://schemas.microsoft.com/office/drawing/2014/main" id="{64A6966A-472F-4148-AC99-1F43670BF87A}"/>
+              </a:ext>
+            </a:extLst>
+          </p:cNvPr>
+          <p:cNvPicPr>
+            <a:picLocks noChangeAspect="1"/>
+          </p:cNvPicPr>
+          <p:nvPr/>
+        </p:nvPicPr>
+        <p:blipFill>
+          <a:blip r:embed="rId2"/>
+          <a:stretch>
+            <a:fillRect/>
+          </a:stretch>
+        </p:blipFill>
+        <p:spPr>
+          <a:xfrm>
+            <a:off x="685800" y="2683425"/>
+            <a:ext cx="10233332" cy="614946"/>
+          </a:xfrm>
+          <a:prstGeom prst="rect">
+            <a:avLst/>
+          </a:prstGeom>
+        </p:spPr>
+      </p:pic>
+    </p:spTree>
+    <p:extLst>
+      <p:ext uri="{BB962C8B-B14F-4D97-AF65-F5344CB8AC3E}">
+        <p14:creationId xmlns:p14="http://schemas.microsoft.com/office/powerpoint/2010/main" val="3313182808"/>
+      </p:ext>
+    </p:extLst>
+  </p:cSld>
+  <p:clrMapOvr>
+    <a:masterClrMapping/>
+  </p:clrMapOvr>
+</p:sld>
+</file>
+
+<file path=ppt/slides/slide29.xml><?xml version="1.0" encoding="utf-8"?>
+<p:sld xmlns:a="http://schemas.openxmlformats.org/drawingml/2006/main" xmlns:r="http://schemas.openxmlformats.org/officeDocument/2006/relationships" xmlns:p="http://schemas.openxmlformats.org/presentationml/2006/main">
+  <p:cSld>
+    <p:spTree>
+      <p:nvGrpSpPr>
+        <p:cNvPr id="1" name=""/>
+        <p:cNvGrpSpPr/>
+        <p:nvPr/>
+      </p:nvGrpSpPr>
+      <p:grpSpPr>
+        <a:xfrm>
+          <a:off x="0" y="0"/>
+          <a:ext cx="0" cy="0"/>
+          <a:chOff x="0" y="0"/>
+          <a:chExt cx="0" cy="0"/>
+        </a:xfrm>
+      </p:grpSpPr>
+      <p:sp>
+        <p:nvSpPr>
+          <p:cNvPr id="2" name="Title 1">
+            <a:extLst>
+              <a:ext uri="{FF2B5EF4-FFF2-40B4-BE49-F238E27FC236}">
+                <a16:creationId xmlns:a16="http://schemas.microsoft.com/office/drawing/2014/main" id="{738DFCA7-ECD1-4036-8085-10E393132761}"/>
+              </a:ext>
+            </a:extLst>
+          </p:cNvPr>
+          <p:cNvSpPr>
+            <a:spLocks noGrp="1"/>
+          </p:cNvSpPr>
+          <p:nvPr>
+            <p:ph type="title"/>
+          </p:nvPr>
+        </p:nvSpPr>
+        <p:spPr/>
+        <p:txBody>
+          <a:bodyPr/>
+          <a:lstStyle/>
+          <a:p>
+            <a:r>
+              <a:rPr lang="en-US" dirty="0"/>
+              <a:t>Promises error handling</a:t>
+            </a:r>
+            <a:endParaRPr lang="uk-UA" dirty="0"/>
+          </a:p>
+        </p:txBody>
+      </p:sp>
+      <p:sp>
+        <p:nvSpPr>
+          <p:cNvPr id="3" name="Text Placeholder 2">
+            <a:extLst>
+              <a:ext uri="{FF2B5EF4-FFF2-40B4-BE49-F238E27FC236}">
+                <a16:creationId xmlns:a16="http://schemas.microsoft.com/office/drawing/2014/main" id="{62408145-94BC-4FAB-A32B-36ABD4B5532B}"/>
+              </a:ext>
+            </a:extLst>
+          </p:cNvPr>
+          <p:cNvSpPr>
+            <a:spLocks noGrp="1"/>
+          </p:cNvSpPr>
+          <p:nvPr>
+            <p:ph type="body" sz="quarter" idx="10"/>
+          </p:nvPr>
+        </p:nvSpPr>
+        <p:spPr/>
+        <p:txBody>
+          <a:bodyPr/>
+          <a:lstStyle/>
+          <a:p>
+            <a:endParaRPr lang="uk-UA" dirty="0"/>
+          </a:p>
+        </p:txBody>
+      </p:sp>
+      <p:pic>
+        <p:nvPicPr>
+          <p:cNvPr id="5" name="Picture 4">
+            <a:extLst>
+              <a:ext uri="{FF2B5EF4-FFF2-40B4-BE49-F238E27FC236}">
+                <a16:creationId xmlns:a16="http://schemas.microsoft.com/office/drawing/2014/main" id="{00841A08-B13A-4849-9F48-427875CE15A4}"/>
+              </a:ext>
+            </a:extLst>
+          </p:cNvPr>
+          <p:cNvPicPr>
+            <a:picLocks noChangeAspect="1"/>
+          </p:cNvPicPr>
+          <p:nvPr/>
+        </p:nvPicPr>
+        <p:blipFill>
+          <a:blip r:embed="rId2"/>
+          <a:stretch>
+            <a:fillRect/>
+          </a:stretch>
+        </p:blipFill>
+        <p:spPr>
+          <a:xfrm>
+            <a:off x="685800" y="2057399"/>
+            <a:ext cx="10820400" cy="1199461"/>
+          </a:xfrm>
+          <a:prstGeom prst="rect">
+            <a:avLst/>
+          </a:prstGeom>
+        </p:spPr>
+      </p:pic>
+    </p:spTree>
+    <p:extLst>
+      <p:ext uri="{BB962C8B-B14F-4D97-AF65-F5344CB8AC3E}">
+        <p14:creationId xmlns:p14="http://schemas.microsoft.com/office/powerpoint/2010/main" val="1796762818"/>
       </p:ext>
     </p:extLst>
   </p:cSld>
@@ -13022,6 +15391,1085 @@
     <p:extLst>
       <p:ext uri="{BB962C8B-B14F-4D97-AF65-F5344CB8AC3E}">
         <p14:creationId xmlns:p14="http://schemas.microsoft.com/office/powerpoint/2010/main" val="3826316195"/>
+      </p:ext>
+    </p:extLst>
+  </p:cSld>
+  <p:clrMapOvr>
+    <a:masterClrMapping/>
+  </p:clrMapOvr>
+</p:sld>
+</file>
+
+<file path=ppt/slides/slide30.xml><?xml version="1.0" encoding="utf-8"?>
+<p:sld xmlns:a="http://schemas.openxmlformats.org/drawingml/2006/main" xmlns:r="http://schemas.openxmlformats.org/officeDocument/2006/relationships" xmlns:p="http://schemas.openxmlformats.org/presentationml/2006/main">
+  <p:cSld>
+    <p:spTree>
+      <p:nvGrpSpPr>
+        <p:cNvPr id="1" name=""/>
+        <p:cNvGrpSpPr/>
+        <p:nvPr/>
+      </p:nvGrpSpPr>
+      <p:grpSpPr>
+        <a:xfrm>
+          <a:off x="0" y="0"/>
+          <a:ext cx="0" cy="0"/>
+          <a:chOff x="0" y="0"/>
+          <a:chExt cx="0" cy="0"/>
+        </a:xfrm>
+      </p:grpSpPr>
+      <p:sp>
+        <p:nvSpPr>
+          <p:cNvPr id="2" name="Title 1">
+            <a:extLst>
+              <a:ext uri="{FF2B5EF4-FFF2-40B4-BE49-F238E27FC236}">
+                <a16:creationId xmlns:a16="http://schemas.microsoft.com/office/drawing/2014/main" id="{FE2DA553-410A-4537-80E7-573BEB3EB164}"/>
+              </a:ext>
+            </a:extLst>
+          </p:cNvPr>
+          <p:cNvSpPr>
+            <a:spLocks noGrp="1"/>
+          </p:cNvSpPr>
+          <p:nvPr>
+            <p:ph type="title"/>
+          </p:nvPr>
+        </p:nvSpPr>
+        <p:spPr/>
+        <p:txBody>
+          <a:bodyPr/>
+          <a:lstStyle/>
+          <a:p>
+            <a:r>
+              <a:rPr lang="en-US" dirty="0"/>
+              <a:t>“Use strict”</a:t>
+            </a:r>
+            <a:endParaRPr lang="uk-UA" dirty="0"/>
+          </a:p>
+        </p:txBody>
+      </p:sp>
+      <p:sp>
+        <p:nvSpPr>
+          <p:cNvPr id="3" name="Text Placeholder 2">
+            <a:extLst>
+              <a:ext uri="{FF2B5EF4-FFF2-40B4-BE49-F238E27FC236}">
+                <a16:creationId xmlns:a16="http://schemas.microsoft.com/office/drawing/2014/main" id="{85F57B68-3749-4C49-84C6-42DB426430FA}"/>
+              </a:ext>
+            </a:extLst>
+          </p:cNvPr>
+          <p:cNvSpPr>
+            <a:spLocks noGrp="1"/>
+          </p:cNvSpPr>
+          <p:nvPr>
+            <p:ph type="body" sz="quarter" idx="10"/>
+          </p:nvPr>
+        </p:nvSpPr>
+        <p:spPr>
+          <a:xfrm>
+            <a:off x="685800" y="2057400"/>
+            <a:ext cx="10820400" cy="3671596"/>
+          </a:xfrm>
+        </p:spPr>
+        <p:txBody>
+          <a:bodyPr/>
+          <a:lstStyle/>
+          <a:p>
+            <a:pPr algn="l"/>
+            <a:r>
+              <a:rPr lang="en-US" b="0" i="0" dirty="0">
+                <a:solidFill>
+                  <a:srgbClr val="000000"/>
+                </a:solidFill>
+                <a:effectLst/>
+                <a:latin typeface="Verdana" panose="020B0604030504040204" pitchFamily="34" charset="0"/>
+              </a:rPr>
+              <a:t>Strict mode makes it easier to write "secure" JavaScript.</a:t>
+            </a:r>
+          </a:p>
+          <a:p>
+            <a:pPr algn="l"/>
+            <a:r>
+              <a:rPr lang="en-US" b="0" i="0" dirty="0">
+                <a:solidFill>
+                  <a:srgbClr val="000000"/>
+                </a:solidFill>
+                <a:effectLst/>
+                <a:latin typeface="Verdana" panose="020B0604030504040204" pitchFamily="34" charset="0"/>
+              </a:rPr>
+              <a:t>Strict mode changes previously accepted "bad syntax" into real errors.</a:t>
+            </a:r>
+          </a:p>
+          <a:p>
+            <a:pPr algn="l"/>
+            <a:r>
+              <a:rPr lang="en-US" b="0" i="0" dirty="0">
+                <a:solidFill>
+                  <a:srgbClr val="000000"/>
+                </a:solidFill>
+                <a:effectLst/>
+                <a:latin typeface="Verdana" panose="020B0604030504040204" pitchFamily="34" charset="0"/>
+              </a:rPr>
+              <a:t>As an example, in normal JavaScript, mistyping a variable name creates a new global variable. In strict mode, this will throw an error, making it impossible to accidentally create a global variable.</a:t>
+            </a:r>
+          </a:p>
+          <a:p>
+            <a:pPr algn="l"/>
+            <a:r>
+              <a:rPr lang="en-US" b="0" i="0" dirty="0">
+                <a:solidFill>
+                  <a:srgbClr val="000000"/>
+                </a:solidFill>
+                <a:effectLst/>
+                <a:latin typeface="Verdana" panose="020B0604030504040204" pitchFamily="34" charset="0"/>
+              </a:rPr>
+              <a:t>In normal JavaScript, a developer will not receive any error feedback assigning values to non-writable properties.</a:t>
+            </a:r>
+          </a:p>
+          <a:p>
+            <a:pPr algn="l"/>
+            <a:r>
+              <a:rPr lang="en-US" b="0" i="0" dirty="0">
+                <a:solidFill>
+                  <a:srgbClr val="000000"/>
+                </a:solidFill>
+                <a:effectLst/>
+                <a:latin typeface="Verdana" panose="020B0604030504040204" pitchFamily="34" charset="0"/>
+              </a:rPr>
+              <a:t>In strict mode, any assignment to a non-writable property, a getter-only property, a non-existing property, a non-existing variable, or a non-existing object, will throw an error.</a:t>
+            </a:r>
+          </a:p>
+          <a:p>
+            <a:br>
+              <a:rPr lang="en-US" dirty="0"/>
+            </a:br>
+            <a:endParaRPr lang="uk-UA" dirty="0"/>
+          </a:p>
+        </p:txBody>
+      </p:sp>
+    </p:spTree>
+    <p:extLst>
+      <p:ext uri="{BB962C8B-B14F-4D97-AF65-F5344CB8AC3E}">
+        <p14:creationId xmlns:p14="http://schemas.microsoft.com/office/powerpoint/2010/main" val="1173534396"/>
+      </p:ext>
+    </p:extLst>
+  </p:cSld>
+  <p:clrMapOvr>
+    <a:masterClrMapping/>
+  </p:clrMapOvr>
+</p:sld>
+</file>
+
+<file path=ppt/slides/slide31.xml><?xml version="1.0" encoding="utf-8"?>
+<p:sld xmlns:a="http://schemas.openxmlformats.org/drawingml/2006/main" xmlns:r="http://schemas.openxmlformats.org/officeDocument/2006/relationships" xmlns:p="http://schemas.openxmlformats.org/presentationml/2006/main">
+  <p:cSld>
+    <p:spTree>
+      <p:nvGrpSpPr>
+        <p:cNvPr id="1" name=""/>
+        <p:cNvGrpSpPr/>
+        <p:nvPr/>
+      </p:nvGrpSpPr>
+      <p:grpSpPr>
+        <a:xfrm>
+          <a:off x="0" y="0"/>
+          <a:ext cx="0" cy="0"/>
+          <a:chOff x="0" y="0"/>
+          <a:chExt cx="0" cy="0"/>
+        </a:xfrm>
+      </p:grpSpPr>
+      <p:sp>
+        <p:nvSpPr>
+          <p:cNvPr id="2" name="Title 1">
+            <a:extLst>
+              <a:ext uri="{FF2B5EF4-FFF2-40B4-BE49-F238E27FC236}">
+                <a16:creationId xmlns:a16="http://schemas.microsoft.com/office/drawing/2014/main" id="{FDBD64B4-BE3A-46D5-96A2-DA2FCDBA891C}"/>
+              </a:ext>
+            </a:extLst>
+          </p:cNvPr>
+          <p:cNvSpPr>
+            <a:spLocks noGrp="1"/>
+          </p:cNvSpPr>
+          <p:nvPr>
+            <p:ph type="title"/>
+          </p:nvPr>
+        </p:nvSpPr>
+        <p:spPr/>
+        <p:txBody>
+          <a:bodyPr/>
+          <a:lstStyle/>
+          <a:p>
+            <a:r>
+              <a:rPr lang="en-US" dirty="0"/>
+              <a:t>“Use strict” (part 1)</a:t>
+            </a:r>
+            <a:endParaRPr lang="uk-UA" dirty="0"/>
+          </a:p>
+        </p:txBody>
+      </p:sp>
+      <p:sp>
+        <p:nvSpPr>
+          <p:cNvPr id="3" name="Text Placeholder 2">
+            <a:extLst>
+              <a:ext uri="{FF2B5EF4-FFF2-40B4-BE49-F238E27FC236}">
+                <a16:creationId xmlns:a16="http://schemas.microsoft.com/office/drawing/2014/main" id="{CE34926E-AC7C-4E0C-A84B-90CDFCDD5F85}"/>
+              </a:ext>
+            </a:extLst>
+          </p:cNvPr>
+          <p:cNvSpPr>
+            <a:spLocks noGrp="1"/>
+          </p:cNvSpPr>
+          <p:nvPr>
+            <p:ph type="body" sz="quarter" idx="10"/>
+          </p:nvPr>
+        </p:nvSpPr>
+        <p:spPr>
+          <a:xfrm>
+            <a:off x="685800" y="2057400"/>
+            <a:ext cx="6844004" cy="404813"/>
+          </a:xfrm>
+        </p:spPr>
+        <p:txBody>
+          <a:bodyPr/>
+          <a:lstStyle/>
+          <a:p>
+            <a:r>
+              <a:rPr lang="en-US" b="0" i="0" dirty="0">
+                <a:solidFill>
+                  <a:srgbClr val="000000"/>
+                </a:solidFill>
+                <a:effectLst/>
+                <a:latin typeface="Verdana" panose="020B0604030504040204" pitchFamily="34" charset="0"/>
+              </a:rPr>
+              <a:t>Using a variable, without declaring it, is not allowed:</a:t>
+            </a:r>
+            <a:endParaRPr lang="uk-UA" dirty="0"/>
+          </a:p>
+        </p:txBody>
+      </p:sp>
+      <p:pic>
+        <p:nvPicPr>
+          <p:cNvPr id="7" name="Picture 6">
+            <a:extLst>
+              <a:ext uri="{FF2B5EF4-FFF2-40B4-BE49-F238E27FC236}">
+                <a16:creationId xmlns:a16="http://schemas.microsoft.com/office/drawing/2014/main" id="{12BCD66C-DB33-4919-BF0D-505B63A89CF0}"/>
+              </a:ext>
+            </a:extLst>
+          </p:cNvPr>
+          <p:cNvPicPr>
+            <a:picLocks noChangeAspect="1"/>
+          </p:cNvPicPr>
+          <p:nvPr/>
+        </p:nvPicPr>
+        <p:blipFill>
+          <a:blip r:embed="rId2"/>
+          <a:stretch>
+            <a:fillRect/>
+          </a:stretch>
+        </p:blipFill>
+        <p:spPr>
+          <a:xfrm>
+            <a:off x="781050" y="2462213"/>
+            <a:ext cx="5314950" cy="619125"/>
+          </a:xfrm>
+          <a:prstGeom prst="rect">
+            <a:avLst/>
+          </a:prstGeom>
+        </p:spPr>
+      </p:pic>
+      <p:sp>
+        <p:nvSpPr>
+          <p:cNvPr id="8" name="TextBox 7">
+            <a:extLst>
+              <a:ext uri="{FF2B5EF4-FFF2-40B4-BE49-F238E27FC236}">
+                <a16:creationId xmlns:a16="http://schemas.microsoft.com/office/drawing/2014/main" id="{4C8BD546-F06D-48D5-AA9E-348866217A52}"/>
+              </a:ext>
+            </a:extLst>
+          </p:cNvPr>
+          <p:cNvSpPr txBox="1"/>
+          <p:nvPr/>
+        </p:nvSpPr>
+        <p:spPr>
+          <a:xfrm>
+            <a:off x="564502" y="3116819"/>
+            <a:ext cx="5454057" cy="369332"/>
+          </a:xfrm>
+          <a:prstGeom prst="rect">
+            <a:avLst/>
+          </a:prstGeom>
+          <a:noFill/>
+        </p:spPr>
+        <p:txBody>
+          <a:bodyPr wrap="none" rtlCol="0">
+            <a:spAutoFit/>
+          </a:bodyPr>
+          <a:lstStyle/>
+          <a:p>
+            <a:r>
+              <a:rPr lang="en-US" b="0" i="0" dirty="0">
+                <a:solidFill>
+                  <a:srgbClr val="000000"/>
+                </a:solidFill>
+                <a:effectLst/>
+                <a:latin typeface="Verdana" panose="020B0604030504040204" pitchFamily="34" charset="0"/>
+              </a:rPr>
+              <a:t>Deleting a variable (or object) is not allowed.</a:t>
+            </a:r>
+            <a:endParaRPr lang="uk-UA" dirty="0"/>
+          </a:p>
+        </p:txBody>
+      </p:sp>
+      <p:pic>
+        <p:nvPicPr>
+          <p:cNvPr id="10" name="Picture 9">
+            <a:extLst>
+              <a:ext uri="{FF2B5EF4-FFF2-40B4-BE49-F238E27FC236}">
+                <a16:creationId xmlns:a16="http://schemas.microsoft.com/office/drawing/2014/main" id="{259C879C-69DD-4222-A06C-286D58325941}"/>
+              </a:ext>
+            </a:extLst>
+          </p:cNvPr>
+          <p:cNvPicPr>
+            <a:picLocks noChangeAspect="1"/>
+          </p:cNvPicPr>
+          <p:nvPr/>
+        </p:nvPicPr>
+        <p:blipFill>
+          <a:blip r:embed="rId3"/>
+          <a:stretch>
+            <a:fillRect/>
+          </a:stretch>
+        </p:blipFill>
+        <p:spPr>
+          <a:xfrm>
+            <a:off x="865025" y="3546610"/>
+            <a:ext cx="5381625" cy="819150"/>
+          </a:xfrm>
+          <a:prstGeom prst="rect">
+            <a:avLst/>
+          </a:prstGeom>
+        </p:spPr>
+      </p:pic>
+      <p:sp>
+        <p:nvSpPr>
+          <p:cNvPr id="11" name="TextBox 10">
+            <a:extLst>
+              <a:ext uri="{FF2B5EF4-FFF2-40B4-BE49-F238E27FC236}">
+                <a16:creationId xmlns:a16="http://schemas.microsoft.com/office/drawing/2014/main" id="{EBF85F00-E27B-4D25-9DEC-428ABE9FAA7E}"/>
+              </a:ext>
+            </a:extLst>
+          </p:cNvPr>
+          <p:cNvSpPr txBox="1"/>
+          <p:nvPr/>
+        </p:nvSpPr>
+        <p:spPr>
+          <a:xfrm>
+            <a:off x="564502" y="4385882"/>
+            <a:ext cx="5504199" cy="369332"/>
+          </a:xfrm>
+          <a:prstGeom prst="rect">
+            <a:avLst/>
+          </a:prstGeom>
+          <a:noFill/>
+        </p:spPr>
+        <p:txBody>
+          <a:bodyPr wrap="none" rtlCol="0">
+            <a:spAutoFit/>
+          </a:bodyPr>
+          <a:lstStyle/>
+          <a:p>
+            <a:r>
+              <a:rPr lang="en-US" b="0" i="0" dirty="0">
+                <a:solidFill>
+                  <a:srgbClr val="000000"/>
+                </a:solidFill>
+                <a:effectLst/>
+                <a:latin typeface="Verdana" panose="020B0604030504040204" pitchFamily="34" charset="0"/>
+              </a:rPr>
+              <a:t>Duplicating a parameter name is not allowed:</a:t>
+            </a:r>
+            <a:endParaRPr lang="uk-UA" dirty="0"/>
+          </a:p>
+        </p:txBody>
+      </p:sp>
+      <p:pic>
+        <p:nvPicPr>
+          <p:cNvPr id="13" name="Picture 12">
+            <a:extLst>
+              <a:ext uri="{FF2B5EF4-FFF2-40B4-BE49-F238E27FC236}">
+                <a16:creationId xmlns:a16="http://schemas.microsoft.com/office/drawing/2014/main" id="{CB7F6933-727A-41C7-8C39-30F250912278}"/>
+              </a:ext>
+            </a:extLst>
+          </p:cNvPr>
+          <p:cNvPicPr>
+            <a:picLocks noChangeAspect="1"/>
+          </p:cNvPicPr>
+          <p:nvPr/>
+        </p:nvPicPr>
+        <p:blipFill>
+          <a:blip r:embed="rId4"/>
+          <a:stretch>
+            <a:fillRect/>
+          </a:stretch>
+        </p:blipFill>
+        <p:spPr>
+          <a:xfrm>
+            <a:off x="865025" y="4907232"/>
+            <a:ext cx="5276850" cy="542925"/>
+          </a:xfrm>
+          <a:prstGeom prst="rect">
+            <a:avLst/>
+          </a:prstGeom>
+        </p:spPr>
+      </p:pic>
+    </p:spTree>
+    <p:extLst>
+      <p:ext uri="{BB962C8B-B14F-4D97-AF65-F5344CB8AC3E}">
+        <p14:creationId xmlns:p14="http://schemas.microsoft.com/office/powerpoint/2010/main" val="2636543163"/>
+      </p:ext>
+    </p:extLst>
+  </p:cSld>
+  <p:clrMapOvr>
+    <a:masterClrMapping/>
+  </p:clrMapOvr>
+</p:sld>
+</file>
+
+<file path=ppt/slides/slide32.xml><?xml version="1.0" encoding="utf-8"?>
+<p:sld xmlns:a="http://schemas.openxmlformats.org/drawingml/2006/main" xmlns:r="http://schemas.openxmlformats.org/officeDocument/2006/relationships" xmlns:p="http://schemas.openxmlformats.org/presentationml/2006/main">
+  <p:cSld>
+    <p:spTree>
+      <p:nvGrpSpPr>
+        <p:cNvPr id="1" name=""/>
+        <p:cNvGrpSpPr/>
+        <p:nvPr/>
+      </p:nvGrpSpPr>
+      <p:grpSpPr>
+        <a:xfrm>
+          <a:off x="0" y="0"/>
+          <a:ext cx="0" cy="0"/>
+          <a:chOff x="0" y="0"/>
+          <a:chExt cx="0" cy="0"/>
+        </a:xfrm>
+      </p:grpSpPr>
+      <p:sp>
+        <p:nvSpPr>
+          <p:cNvPr id="2" name="Title 1">
+            <a:extLst>
+              <a:ext uri="{FF2B5EF4-FFF2-40B4-BE49-F238E27FC236}">
+                <a16:creationId xmlns:a16="http://schemas.microsoft.com/office/drawing/2014/main" id="{DE7F4DCE-0224-461B-BAEC-8ACCBA01D414}"/>
+              </a:ext>
+            </a:extLst>
+          </p:cNvPr>
+          <p:cNvSpPr>
+            <a:spLocks noGrp="1"/>
+          </p:cNvSpPr>
+          <p:nvPr>
+            <p:ph type="title"/>
+          </p:nvPr>
+        </p:nvSpPr>
+        <p:spPr/>
+        <p:txBody>
+          <a:bodyPr/>
+          <a:lstStyle/>
+          <a:p>
+            <a:r>
+              <a:rPr lang="en-US" dirty="0"/>
+              <a:t>“Use strict” (part 2)</a:t>
+            </a:r>
+            <a:endParaRPr lang="uk-UA" dirty="0"/>
+          </a:p>
+        </p:txBody>
+      </p:sp>
+      <p:sp>
+        <p:nvSpPr>
+          <p:cNvPr id="3" name="Text Placeholder 2">
+            <a:extLst>
+              <a:ext uri="{FF2B5EF4-FFF2-40B4-BE49-F238E27FC236}">
+                <a16:creationId xmlns:a16="http://schemas.microsoft.com/office/drawing/2014/main" id="{AFC1E853-75C5-4DF9-93D6-A6505D294A46}"/>
+              </a:ext>
+            </a:extLst>
+          </p:cNvPr>
+          <p:cNvSpPr>
+            <a:spLocks noGrp="1"/>
+          </p:cNvSpPr>
+          <p:nvPr>
+            <p:ph type="body" sz="quarter" idx="10"/>
+          </p:nvPr>
+        </p:nvSpPr>
+        <p:spPr>
+          <a:xfrm>
+            <a:off x="685800" y="2057399"/>
+            <a:ext cx="10820400" cy="4114799"/>
+          </a:xfrm>
+        </p:spPr>
+        <p:txBody>
+          <a:bodyPr/>
+          <a:lstStyle/>
+          <a:p>
+            <a:r>
+              <a:rPr lang="en-US" b="0" i="0" dirty="0">
+                <a:solidFill>
+                  <a:srgbClr val="000000"/>
+                </a:solidFill>
+                <a:effectLst/>
+                <a:latin typeface="Verdana" panose="020B0604030504040204" pitchFamily="34" charset="0"/>
+              </a:rPr>
+              <a:t>Octal numeric literals are not allowed:</a:t>
+            </a:r>
+          </a:p>
+          <a:p>
+            <a:r>
+              <a:rPr lang="en-US" b="0" i="0" dirty="0">
+                <a:solidFill>
+                  <a:srgbClr val="000000"/>
+                </a:solidFill>
+                <a:effectLst/>
+                <a:latin typeface="Verdana" panose="020B0604030504040204" pitchFamily="34" charset="0"/>
+              </a:rPr>
+              <a:t>Octal escape characters are not allowed:</a:t>
+            </a:r>
+            <a:endParaRPr lang="en-US" dirty="0">
+              <a:solidFill>
+                <a:srgbClr val="000000"/>
+              </a:solidFill>
+              <a:latin typeface="Verdana" panose="020B0604030504040204" pitchFamily="34" charset="0"/>
+            </a:endParaRPr>
+          </a:p>
+          <a:p>
+            <a:r>
+              <a:rPr lang="en-US" b="0" i="0" dirty="0">
+                <a:solidFill>
+                  <a:srgbClr val="000000"/>
+                </a:solidFill>
+                <a:effectLst/>
+                <a:latin typeface="Verdana" panose="020B0604030504040204" pitchFamily="34" charset="0"/>
+              </a:rPr>
+              <a:t>Writing to a read-only property is not allowed:</a:t>
+            </a:r>
+          </a:p>
+          <a:p>
+            <a:r>
+              <a:rPr lang="en-US" b="0" i="0" dirty="0">
+                <a:solidFill>
+                  <a:srgbClr val="000000"/>
+                </a:solidFill>
+                <a:effectLst/>
+                <a:latin typeface="Verdana" panose="020B0604030504040204" pitchFamily="34" charset="0"/>
+              </a:rPr>
+              <a:t>Writing to a get-only property is not allowed:</a:t>
+            </a:r>
+            <a:endParaRPr lang="en-US" dirty="0">
+              <a:solidFill>
+                <a:srgbClr val="000000"/>
+              </a:solidFill>
+              <a:latin typeface="Verdana" panose="020B0604030504040204" pitchFamily="34" charset="0"/>
+            </a:endParaRPr>
+          </a:p>
+          <a:p>
+            <a:r>
+              <a:rPr lang="en-US" b="0" i="0" dirty="0">
+                <a:solidFill>
+                  <a:srgbClr val="000000"/>
+                </a:solidFill>
+                <a:effectLst/>
+                <a:latin typeface="Verdana" panose="020B0604030504040204" pitchFamily="34" charset="0"/>
+              </a:rPr>
+              <a:t>Deleting an undeletable property is not allowed:</a:t>
+            </a:r>
+          </a:p>
+          <a:p>
+            <a:r>
+              <a:rPr lang="en-US" dirty="0">
+                <a:latin typeface="Verdana" panose="020B0604030504040204" pitchFamily="34" charset="0"/>
+                <a:ea typeface="Verdana" panose="020B0604030504040204" pitchFamily="34" charset="0"/>
+              </a:rPr>
+              <a:t>The word eval cannot be used as a variable:</a:t>
+            </a:r>
+          </a:p>
+          <a:p>
+            <a:r>
+              <a:rPr lang="en-US" dirty="0">
+                <a:latin typeface="Verdana" panose="020B0604030504040204" pitchFamily="34" charset="0"/>
+                <a:ea typeface="Verdana" panose="020B0604030504040204" pitchFamily="34" charset="0"/>
+              </a:rPr>
+              <a:t>The word arguments cannot be used as a variable:</a:t>
+            </a:r>
+          </a:p>
+          <a:p>
+            <a:r>
+              <a:rPr lang="en-US" dirty="0">
+                <a:latin typeface="Verdana" panose="020B0604030504040204" pitchFamily="34" charset="0"/>
+                <a:ea typeface="Verdana" panose="020B0604030504040204" pitchFamily="34" charset="0"/>
+              </a:rPr>
+              <a:t>The with statement is not allowed:</a:t>
+            </a:r>
+          </a:p>
+          <a:p>
+            <a:r>
+              <a:rPr lang="en-US" dirty="0">
+                <a:latin typeface="Verdana" panose="020B0604030504040204" pitchFamily="34" charset="0"/>
+                <a:ea typeface="Verdana" panose="020B0604030504040204" pitchFamily="34" charset="0"/>
+              </a:rPr>
+              <a:t>For security reasons, eval() is not allowed to create variables in the scope from which it was called:</a:t>
+            </a:r>
+          </a:p>
+          <a:p>
+            <a:endParaRPr lang="en-US" dirty="0">
+              <a:latin typeface="Verdana" panose="020B0604030504040204" pitchFamily="34" charset="0"/>
+              <a:ea typeface="Verdana" panose="020B0604030504040204" pitchFamily="34" charset="0"/>
+            </a:endParaRPr>
+          </a:p>
+          <a:p>
+            <a:endParaRPr lang="uk-UA" dirty="0">
+              <a:latin typeface="Verdana" panose="020B0604030504040204" pitchFamily="34" charset="0"/>
+              <a:ea typeface="Verdana" panose="020B0604030504040204" pitchFamily="34" charset="0"/>
+            </a:endParaRPr>
+          </a:p>
+        </p:txBody>
+      </p:sp>
+    </p:spTree>
+    <p:extLst>
+      <p:ext uri="{BB962C8B-B14F-4D97-AF65-F5344CB8AC3E}">
+        <p14:creationId xmlns:p14="http://schemas.microsoft.com/office/powerpoint/2010/main" val="3856685189"/>
+      </p:ext>
+    </p:extLst>
+  </p:cSld>
+  <p:clrMapOvr>
+    <a:masterClrMapping/>
+  </p:clrMapOvr>
+</p:sld>
+</file>
+
+<file path=ppt/slides/slide33.xml><?xml version="1.0" encoding="utf-8"?>
+<p:sld xmlns:a="http://schemas.openxmlformats.org/drawingml/2006/main" xmlns:r="http://schemas.openxmlformats.org/officeDocument/2006/relationships" xmlns:p="http://schemas.openxmlformats.org/presentationml/2006/main">
+  <p:cSld>
+    <p:spTree>
+      <p:nvGrpSpPr>
+        <p:cNvPr id="1" name=""/>
+        <p:cNvGrpSpPr/>
+        <p:nvPr/>
+      </p:nvGrpSpPr>
+      <p:grpSpPr>
+        <a:xfrm>
+          <a:off x="0" y="0"/>
+          <a:ext cx="0" cy="0"/>
+          <a:chOff x="0" y="0"/>
+          <a:chExt cx="0" cy="0"/>
+        </a:xfrm>
+      </p:grpSpPr>
+      <p:sp>
+        <p:nvSpPr>
+          <p:cNvPr id="2" name="Title 1">
+            <a:extLst>
+              <a:ext uri="{FF2B5EF4-FFF2-40B4-BE49-F238E27FC236}">
+                <a16:creationId xmlns:a16="http://schemas.microsoft.com/office/drawing/2014/main" id="{916EDE58-F88E-42F3-9EC4-A9FC6AC8D65E}"/>
+              </a:ext>
+            </a:extLst>
+          </p:cNvPr>
+          <p:cNvSpPr>
+            <a:spLocks noGrp="1"/>
+          </p:cNvSpPr>
+          <p:nvPr>
+            <p:ph type="title"/>
+          </p:nvPr>
+        </p:nvSpPr>
+        <p:spPr/>
+        <p:txBody>
+          <a:bodyPr/>
+          <a:lstStyle/>
+          <a:p>
+            <a:r>
+              <a:rPr lang="en-US" dirty="0"/>
+              <a:t>“Use strict” (part 3)</a:t>
+            </a:r>
+            <a:endParaRPr lang="uk-UA" dirty="0"/>
+          </a:p>
+        </p:txBody>
+      </p:sp>
+      <p:sp>
+        <p:nvSpPr>
+          <p:cNvPr id="3" name="Text Placeholder 2">
+            <a:extLst>
+              <a:ext uri="{FF2B5EF4-FFF2-40B4-BE49-F238E27FC236}">
+                <a16:creationId xmlns:a16="http://schemas.microsoft.com/office/drawing/2014/main" id="{1FB7F151-FDAB-46DB-872C-06A32CD05D6E}"/>
+              </a:ext>
+            </a:extLst>
+          </p:cNvPr>
+          <p:cNvSpPr>
+            <a:spLocks noGrp="1"/>
+          </p:cNvSpPr>
+          <p:nvPr>
+            <p:ph type="body" sz="quarter" idx="10"/>
+          </p:nvPr>
+        </p:nvSpPr>
+        <p:spPr/>
+        <p:txBody>
+          <a:bodyPr/>
+          <a:lstStyle/>
+          <a:p>
+            <a:r>
+              <a:rPr lang="en-US" dirty="0"/>
+              <a:t>The this keyword in functions behaves differently in strict mode.</a:t>
+            </a:r>
+          </a:p>
+          <a:p>
+            <a:r>
+              <a:rPr lang="en-US" dirty="0"/>
+              <a:t>The this keyword refers to the object that called the function.</a:t>
+            </a:r>
+          </a:p>
+          <a:p>
+            <a:r>
+              <a:rPr lang="en-US" dirty="0"/>
+              <a:t>If the object is not specified, functions in strict mode will return undefined and functions in normal mode will return the global object (window):</a:t>
+            </a:r>
+          </a:p>
+          <a:p>
+            <a:endParaRPr lang="uk-UA" dirty="0"/>
+          </a:p>
+        </p:txBody>
+      </p:sp>
+    </p:spTree>
+    <p:extLst>
+      <p:ext uri="{BB962C8B-B14F-4D97-AF65-F5344CB8AC3E}">
+        <p14:creationId xmlns:p14="http://schemas.microsoft.com/office/powerpoint/2010/main" val="299246581"/>
+      </p:ext>
+    </p:extLst>
+  </p:cSld>
+  <p:clrMapOvr>
+    <a:masterClrMapping/>
+  </p:clrMapOvr>
+</p:sld>
+</file>
+
+<file path=ppt/slides/slide34.xml><?xml version="1.0" encoding="utf-8"?>
+<p:sld xmlns:a="http://schemas.openxmlformats.org/drawingml/2006/main" xmlns:r="http://schemas.openxmlformats.org/officeDocument/2006/relationships" xmlns:p="http://schemas.openxmlformats.org/presentationml/2006/main">
+  <p:cSld>
+    <p:spTree>
+      <p:nvGrpSpPr>
+        <p:cNvPr id="1" name=""/>
+        <p:cNvGrpSpPr/>
+        <p:nvPr/>
+      </p:nvGrpSpPr>
+      <p:grpSpPr>
+        <a:xfrm>
+          <a:off x="0" y="0"/>
+          <a:ext cx="0" cy="0"/>
+          <a:chOff x="0" y="0"/>
+          <a:chExt cx="0" cy="0"/>
+        </a:xfrm>
+      </p:grpSpPr>
+      <p:sp>
+        <p:nvSpPr>
+          <p:cNvPr id="2" name="Title 1">
+            <a:extLst>
+              <a:ext uri="{FF2B5EF4-FFF2-40B4-BE49-F238E27FC236}">
+                <a16:creationId xmlns:a16="http://schemas.microsoft.com/office/drawing/2014/main" id="{CFFD300F-A3E8-4825-8BE4-ACEC3331AB23}"/>
+              </a:ext>
+            </a:extLst>
+          </p:cNvPr>
+          <p:cNvSpPr>
+            <a:spLocks noGrp="1"/>
+          </p:cNvSpPr>
+          <p:nvPr>
+            <p:ph type="title"/>
+          </p:nvPr>
+        </p:nvSpPr>
+        <p:spPr/>
+        <p:txBody>
+          <a:bodyPr/>
+          <a:lstStyle/>
+          <a:p>
+            <a:r>
+              <a:rPr lang="en-US" dirty="0"/>
+              <a:t>“Use strict” (part 4)</a:t>
+            </a:r>
+            <a:endParaRPr lang="uk-UA" dirty="0"/>
+          </a:p>
+        </p:txBody>
+      </p:sp>
+      <p:sp>
+        <p:nvSpPr>
+          <p:cNvPr id="3" name="Text Placeholder 2">
+            <a:extLst>
+              <a:ext uri="{FF2B5EF4-FFF2-40B4-BE49-F238E27FC236}">
+                <a16:creationId xmlns:a16="http://schemas.microsoft.com/office/drawing/2014/main" id="{147E8EA8-3177-43A1-8DB0-3731A444ADD3}"/>
+              </a:ext>
+            </a:extLst>
+          </p:cNvPr>
+          <p:cNvSpPr>
+            <a:spLocks noGrp="1"/>
+          </p:cNvSpPr>
+          <p:nvPr>
+            <p:ph type="body" sz="quarter" idx="10"/>
+          </p:nvPr>
+        </p:nvSpPr>
+        <p:spPr/>
+        <p:txBody>
+          <a:bodyPr/>
+          <a:lstStyle/>
+          <a:p>
+            <a:pPr algn="l"/>
+            <a:r>
+              <a:rPr lang="en-US" b="0" i="0" dirty="0">
+                <a:solidFill>
+                  <a:srgbClr val="000000"/>
+                </a:solidFill>
+                <a:effectLst/>
+                <a:latin typeface="Verdana" panose="020B0604030504040204" pitchFamily="34" charset="0"/>
+              </a:rPr>
+              <a:t>Keywords reserved for future JavaScript versions can NOT be used as variable names in strict mode.</a:t>
+            </a:r>
+          </a:p>
+          <a:p>
+            <a:pPr algn="l"/>
+            <a:r>
+              <a:rPr lang="en-US" b="0" i="0" dirty="0">
+                <a:solidFill>
+                  <a:srgbClr val="000000"/>
+                </a:solidFill>
+                <a:effectLst/>
+                <a:latin typeface="Verdana" panose="020B0604030504040204" pitchFamily="34" charset="0"/>
+              </a:rPr>
+              <a:t>These are:</a:t>
+            </a:r>
+          </a:p>
+          <a:p>
+            <a:pPr algn="l">
+              <a:buFont typeface="Arial" panose="020B0604020202020204" pitchFamily="34" charset="0"/>
+              <a:buChar char="•"/>
+            </a:pPr>
+            <a:r>
+              <a:rPr lang="en-US" sz="1600" b="0" i="0" dirty="0">
+                <a:solidFill>
+                  <a:srgbClr val="000000"/>
+                </a:solidFill>
+                <a:effectLst/>
+                <a:latin typeface="Verdana" panose="020B0604030504040204" pitchFamily="34" charset="0"/>
+              </a:rPr>
+              <a:t>implements</a:t>
+            </a:r>
+          </a:p>
+          <a:p>
+            <a:pPr algn="l">
+              <a:buFont typeface="Arial" panose="020B0604020202020204" pitchFamily="34" charset="0"/>
+              <a:buChar char="•"/>
+            </a:pPr>
+            <a:r>
+              <a:rPr lang="en-US" sz="1600" b="0" i="0" dirty="0">
+                <a:solidFill>
+                  <a:srgbClr val="000000"/>
+                </a:solidFill>
+                <a:effectLst/>
+                <a:latin typeface="Verdana" panose="020B0604030504040204" pitchFamily="34" charset="0"/>
+              </a:rPr>
+              <a:t>interface</a:t>
+            </a:r>
+          </a:p>
+          <a:p>
+            <a:pPr algn="l">
+              <a:buFont typeface="Arial" panose="020B0604020202020204" pitchFamily="34" charset="0"/>
+              <a:buChar char="•"/>
+            </a:pPr>
+            <a:r>
+              <a:rPr lang="en-US" sz="1600" b="0" i="0" dirty="0">
+                <a:solidFill>
+                  <a:srgbClr val="000000"/>
+                </a:solidFill>
+                <a:effectLst/>
+                <a:latin typeface="Verdana" panose="020B0604030504040204" pitchFamily="34" charset="0"/>
+              </a:rPr>
+              <a:t>let</a:t>
+            </a:r>
+          </a:p>
+          <a:p>
+            <a:pPr algn="l">
+              <a:buFont typeface="Arial" panose="020B0604020202020204" pitchFamily="34" charset="0"/>
+              <a:buChar char="•"/>
+            </a:pPr>
+            <a:r>
+              <a:rPr lang="en-US" sz="1600" b="0" i="0" dirty="0">
+                <a:solidFill>
+                  <a:srgbClr val="000000"/>
+                </a:solidFill>
+                <a:effectLst/>
+                <a:latin typeface="Verdana" panose="020B0604030504040204" pitchFamily="34" charset="0"/>
+              </a:rPr>
+              <a:t>package</a:t>
+            </a:r>
+          </a:p>
+          <a:p>
+            <a:pPr algn="l">
+              <a:buFont typeface="Arial" panose="020B0604020202020204" pitchFamily="34" charset="0"/>
+              <a:buChar char="•"/>
+            </a:pPr>
+            <a:r>
+              <a:rPr lang="en-US" sz="1600" b="0" i="0" dirty="0">
+                <a:solidFill>
+                  <a:srgbClr val="000000"/>
+                </a:solidFill>
+                <a:effectLst/>
+                <a:latin typeface="Verdana" panose="020B0604030504040204" pitchFamily="34" charset="0"/>
+              </a:rPr>
+              <a:t>private</a:t>
+            </a:r>
+          </a:p>
+          <a:p>
+            <a:pPr algn="l">
+              <a:buFont typeface="Arial" panose="020B0604020202020204" pitchFamily="34" charset="0"/>
+              <a:buChar char="•"/>
+            </a:pPr>
+            <a:r>
+              <a:rPr lang="en-US" sz="1600" b="0" i="0" dirty="0">
+                <a:solidFill>
+                  <a:srgbClr val="000000"/>
+                </a:solidFill>
+                <a:effectLst/>
+                <a:latin typeface="Verdana" panose="020B0604030504040204" pitchFamily="34" charset="0"/>
+              </a:rPr>
+              <a:t>protected</a:t>
+            </a:r>
+          </a:p>
+          <a:p>
+            <a:pPr algn="l">
+              <a:buFont typeface="Arial" panose="020B0604020202020204" pitchFamily="34" charset="0"/>
+              <a:buChar char="•"/>
+            </a:pPr>
+            <a:r>
+              <a:rPr lang="en-US" sz="1600" b="0" i="0" dirty="0">
+                <a:solidFill>
+                  <a:srgbClr val="000000"/>
+                </a:solidFill>
+                <a:effectLst/>
+                <a:latin typeface="Verdana" panose="020B0604030504040204" pitchFamily="34" charset="0"/>
+              </a:rPr>
+              <a:t>public</a:t>
+            </a:r>
+          </a:p>
+          <a:p>
+            <a:pPr algn="l">
+              <a:buFont typeface="Arial" panose="020B0604020202020204" pitchFamily="34" charset="0"/>
+              <a:buChar char="•"/>
+            </a:pPr>
+            <a:r>
+              <a:rPr lang="en-US" sz="1600" b="0" i="0" dirty="0">
+                <a:solidFill>
+                  <a:srgbClr val="000000"/>
+                </a:solidFill>
+                <a:effectLst/>
+                <a:latin typeface="Verdana" panose="020B0604030504040204" pitchFamily="34" charset="0"/>
+              </a:rPr>
+              <a:t>static</a:t>
+            </a:r>
+          </a:p>
+          <a:p>
+            <a:pPr algn="l">
+              <a:buFont typeface="Arial" panose="020B0604020202020204" pitchFamily="34" charset="0"/>
+              <a:buChar char="•"/>
+            </a:pPr>
+            <a:r>
+              <a:rPr lang="en-US" sz="1600" b="0" i="0" dirty="0">
+                <a:solidFill>
+                  <a:srgbClr val="000000"/>
+                </a:solidFill>
+                <a:effectLst/>
+                <a:latin typeface="Verdana" panose="020B0604030504040204" pitchFamily="34" charset="0"/>
+              </a:rPr>
+              <a:t>yield</a:t>
+            </a:r>
+          </a:p>
+          <a:p>
+            <a:endParaRPr lang="uk-UA" dirty="0"/>
+          </a:p>
+        </p:txBody>
+      </p:sp>
+      <p:pic>
+        <p:nvPicPr>
+          <p:cNvPr id="5" name="Picture 4">
+            <a:extLst>
+              <a:ext uri="{FF2B5EF4-FFF2-40B4-BE49-F238E27FC236}">
+                <a16:creationId xmlns:a16="http://schemas.microsoft.com/office/drawing/2014/main" id="{E4C92A05-A634-4097-8E99-F02E50A636A9}"/>
+              </a:ext>
+            </a:extLst>
+          </p:cNvPr>
+          <p:cNvPicPr>
+            <a:picLocks noChangeAspect="1"/>
+          </p:cNvPicPr>
+          <p:nvPr/>
+        </p:nvPicPr>
+        <p:blipFill>
+          <a:blip r:embed="rId2"/>
+          <a:stretch>
+            <a:fillRect/>
+          </a:stretch>
+        </p:blipFill>
+        <p:spPr>
+          <a:xfrm>
+            <a:off x="3765679" y="3051888"/>
+            <a:ext cx="6210104" cy="720012"/>
+          </a:xfrm>
+          <a:prstGeom prst="rect">
+            <a:avLst/>
+          </a:prstGeom>
+        </p:spPr>
+      </p:pic>
+    </p:spTree>
+    <p:extLst>
+      <p:ext uri="{BB962C8B-B14F-4D97-AF65-F5344CB8AC3E}">
+        <p14:creationId xmlns:p14="http://schemas.microsoft.com/office/powerpoint/2010/main" val="2937929644"/>
+      </p:ext>
+    </p:extLst>
+  </p:cSld>
+  <p:clrMapOvr>
+    <a:masterClrMapping/>
+  </p:clrMapOvr>
+</p:sld>
+</file>
+
+<file path=ppt/slides/slide35.xml><?xml version="1.0" encoding="utf-8"?>
+<p:sld xmlns:a="http://schemas.openxmlformats.org/drawingml/2006/main" xmlns:r="http://schemas.openxmlformats.org/officeDocument/2006/relationships" xmlns:p="http://schemas.openxmlformats.org/presentationml/2006/main">
+  <p:cSld>
+    <p:spTree>
+      <p:nvGrpSpPr>
+        <p:cNvPr id="1" name=""/>
+        <p:cNvGrpSpPr/>
+        <p:nvPr/>
+      </p:nvGrpSpPr>
+      <p:grpSpPr>
+        <a:xfrm>
+          <a:off x="0" y="0"/>
+          <a:ext cx="0" cy="0"/>
+          <a:chOff x="0" y="0"/>
+          <a:chExt cx="0" cy="0"/>
+        </a:xfrm>
+      </p:grpSpPr>
+      <p:pic>
+        <p:nvPicPr>
+          <p:cNvPr id="5" name="pasted-image.png"/>
+          <p:cNvPicPr>
+            <a:picLocks noChangeAspect="1"/>
+          </p:cNvPicPr>
+          <p:nvPr/>
+        </p:nvPicPr>
+        <p:blipFill>
+          <a:blip r:embed="rId2"/>
+          <a:stretch>
+            <a:fillRect/>
+          </a:stretch>
+        </p:blipFill>
+        <p:spPr>
+          <a:xfrm>
+            <a:off x="0" y="0"/>
+            <a:ext cx="12192000" cy="6858000"/>
+          </a:xfrm>
+          <a:prstGeom prst="rect">
+            <a:avLst/>
+          </a:prstGeom>
+          <a:ln w="12700">
+            <a:miter lim="400000"/>
+          </a:ln>
+        </p:spPr>
+      </p:pic>
+    </p:spTree>
+    <p:extLst>
+      <p:ext uri="{BB962C8B-B14F-4D97-AF65-F5344CB8AC3E}">
+        <p14:creationId xmlns:p14="http://schemas.microsoft.com/office/powerpoint/2010/main" val="1735758878"/>
       </p:ext>
     </p:extLst>
   </p:cSld>
@@ -15094,6 +18542,23 @@
 </file>
 
 <file path=customXml/item1.xml><?xml version="1.0" encoding="utf-8"?>
+<p:properties xmlns:p="http://schemas.microsoft.com/office/2006/metadata/properties" xmlns:xsi="http://www.w3.org/2001/XMLSchema-instance" xmlns:pc="http://schemas.microsoft.com/office/infopath/2007/PartnerControls">
+  <documentManagement>
+    <_x041a__x043e__x043c__x0435__x0442__x0430__x0440_ xmlns="835f28f2-30f1-4728-84d2-86d96e143488" xsi:nil="true"/>
+  </documentManagement>
+</p:properties>
+</file>
+
+<file path=customXml/item2.xml><?xml version="1.0" encoding="utf-8"?>
+<?mso-contentType ?>
+<FormTemplates xmlns="http://schemas.microsoft.com/sharepoint/v3/contenttype/forms">
+  <Display>DocumentLibraryForm</Display>
+  <Edit>DocumentLibraryForm</Edit>
+  <New>DocumentLibraryForm</New>
+</FormTemplates>
+</file>
+
+<file path=customXml/item3.xml><?xml version="1.0" encoding="utf-8"?>
 <ct:contentTypeSchema xmlns:ct="http://schemas.microsoft.com/office/2006/metadata/contentType" xmlns:ma="http://schemas.microsoft.com/office/2006/metadata/properties/metaAttributes" ct:_="" ma:_="" ma:contentTypeName="Document" ma:contentTypeID="0x0101004195FC54A15F344D83577B1CDDD67A5D" ma:contentTypeVersion="13" ma:contentTypeDescription="Create a new document." ma:contentTypeScope="" ma:versionID="30ded57c9b2156718eb8cc7b0e4246dc">
   <xsd:schema xmlns:xsd="http://www.w3.org/2001/XMLSchema" xmlns:xs="http://www.w3.org/2001/XMLSchema" xmlns:p="http://schemas.microsoft.com/office/2006/metadata/properties" xmlns:ns2="341e6018-ac0a-4dfb-8409-db9e0d25502e" xmlns:ns3="835f28f2-30f1-4728-84d2-86d96e143488" targetNamespace="http://schemas.microsoft.com/office/2006/metadata/properties" ma:root="true" ma:fieldsID="a0d1831635397921c92a19e568dfc949" ns2:_="" ns3:_="">
     <xsd:import namespace="341e6018-ac0a-4dfb-8409-db9e0d25502e"/>
@@ -15318,24 +18783,32 @@
 </ct:contentTypeSchema>
 </file>
 
-<file path=customXml/item2.xml><?xml version="1.0" encoding="utf-8"?>
-<p:properties xmlns:p="http://schemas.microsoft.com/office/2006/metadata/properties" xmlns:xsi="http://www.w3.org/2001/XMLSchema-instance" xmlns:pc="http://schemas.microsoft.com/office/infopath/2007/PartnerControls">
-  <documentManagement>
-    <_x041a__x043e__x043c__x0435__x0442__x0430__x0440_ xmlns="835f28f2-30f1-4728-84d2-86d96e143488" xsi:nil="true"/>
-  </documentManagement>
-</p:properties>
+<file path=customXml/itemProps1.xml><?xml version="1.0" encoding="utf-8"?>
+<ds:datastoreItem xmlns:ds="http://schemas.openxmlformats.org/officeDocument/2006/customXml" ds:itemID="{E9033E08-7FE9-4F6D-B155-A8777B4A5A57}">
+  <ds:schemaRefs>
+    <ds:schemaRef ds:uri="341e6018-ac0a-4dfb-8409-db9e0d25502e"/>
+    <ds:schemaRef ds:uri="835f28f2-30f1-4728-84d2-86d96e143488"/>
+    <ds:schemaRef ds:uri="http://purl.org/dc/dcmitype/"/>
+    <ds:schemaRef ds:uri="http://purl.org/dc/elements/1.1/"/>
+    <ds:schemaRef ds:uri="http://purl.org/dc/terms/"/>
+    <ds:schemaRef ds:uri="http://schemas.microsoft.com/office/2006/documentManagement/types"/>
+    <ds:schemaRef ds:uri="http://schemas.microsoft.com/office/2006/metadata/properties"/>
+    <ds:schemaRef ds:uri="http://schemas.microsoft.com/office/infopath/2007/PartnerControls"/>
+    <ds:schemaRef ds:uri="http://schemas.openxmlformats.org/package/2006/metadata/core-properties"/>
+    <ds:schemaRef ds:uri="http://www.w3.org/XML/1998/namespace"/>
+  </ds:schemaRefs>
+</ds:datastoreItem>
 </file>
 
-<file path=customXml/item3.xml><?xml version="1.0" encoding="utf-8"?>
-<?mso-contentType ?>
-<FormTemplates xmlns="http://schemas.microsoft.com/sharepoint/v3/contenttype/forms">
-  <Display>DocumentLibraryForm</Display>
-  <Edit>DocumentLibraryForm</Edit>
-  <New>DocumentLibraryForm</New>
-</FormTemplates>
+<file path=customXml/itemProps2.xml><?xml version="1.0" encoding="utf-8"?>
+<ds:datastoreItem xmlns:ds="http://schemas.openxmlformats.org/officeDocument/2006/customXml" ds:itemID="{296B3B9E-03D8-4766-BF45-6129617CF026}">
+  <ds:schemaRefs>
+    <ds:schemaRef ds:uri="http://schemas.microsoft.com/sharepoint/v3/contenttype/forms"/>
+  </ds:schemaRefs>
+</ds:datastoreItem>
 </file>
 
-<file path=customXml/itemProps1.xml><?xml version="1.0" encoding="utf-8"?>
+<file path=customXml/itemProps3.xml><?xml version="1.0" encoding="utf-8"?>
 <ds:datastoreItem xmlns:ds="http://schemas.openxmlformats.org/officeDocument/2006/customXml" ds:itemID="{5BCFD5A9-9FF3-42E0-89D7-BF5BFC61DD60}">
   <ds:schemaRefs>
     <ds:schemaRef ds:uri="341e6018-ac0a-4dfb-8409-db9e0d25502e"/>
@@ -15352,29 +18825,4 @@
     <ds:schemaRef ds:uri="http://www.w3.org/2001/XMLSchema"/>
   </ds:schemaRefs>
 </ds:datastoreItem>
-</file>
-
-<file path=customXml/itemProps2.xml><?xml version="1.0" encoding="utf-8"?>
-<ds:datastoreItem xmlns:ds="http://schemas.openxmlformats.org/officeDocument/2006/customXml" ds:itemID="{E9033E08-7FE9-4F6D-B155-A8777B4A5A57}">
-  <ds:schemaRefs>
-    <ds:schemaRef ds:uri="341e6018-ac0a-4dfb-8409-db9e0d25502e"/>
-    <ds:schemaRef ds:uri="835f28f2-30f1-4728-84d2-86d96e143488"/>
-    <ds:schemaRef ds:uri="http://purl.org/dc/dcmitype/"/>
-    <ds:schemaRef ds:uri="http://purl.org/dc/elements/1.1/"/>
-    <ds:schemaRef ds:uri="http://purl.org/dc/terms/"/>
-    <ds:schemaRef ds:uri="http://schemas.microsoft.com/office/2006/documentManagement/types"/>
-    <ds:schemaRef ds:uri="http://schemas.microsoft.com/office/2006/metadata/properties"/>
-    <ds:schemaRef ds:uri="http://schemas.microsoft.com/office/infopath/2007/PartnerControls"/>
-    <ds:schemaRef ds:uri="http://schemas.openxmlformats.org/package/2006/metadata/core-properties"/>
-    <ds:schemaRef ds:uri="http://www.w3.org/XML/1998/namespace"/>
-  </ds:schemaRefs>
-</ds:datastoreItem>
-</file>
-
-<file path=customXml/itemProps3.xml><?xml version="1.0" encoding="utf-8"?>
-<ds:datastoreItem xmlns:ds="http://schemas.openxmlformats.org/officeDocument/2006/customXml" ds:itemID="{296B3B9E-03D8-4766-BF45-6129617CF026}">
-  <ds:schemaRefs>
-    <ds:schemaRef ds:uri="http://schemas.microsoft.com/sharepoint/v3/contenttype/forms"/>
-  </ds:schemaRefs>
-</ds:datastoreItem>
 </file>